--- a/1,开张课、安装框架、创建第一个web api/1.pptx
+++ b/1,开张课、安装框架、创建第一个web api/1.pptx
@@ -1,12 +1,11 @@
 
 <file path=ppt/presentation.xml><?xml version="1.0" encoding="utf-8"?>
-<p:presentation xmlns:a="http://schemas.openxmlformats.org/drawingml/2006/main" xmlns:r="http://schemas.openxmlformats.org/officeDocument/2006/relationships" xmlns:p="http://schemas.openxmlformats.org/presentationml/2006/main" saveSubsetFonts="1">
+<p:presentation xmlns:a="http://schemas.openxmlformats.org/drawingml/2006/main" xmlns:r="http://schemas.openxmlformats.org/officeDocument/2006/relationships" xmlns:p="http://schemas.openxmlformats.org/presentationml/2006/main">
   <p:sldMasterIdLst>
     <p:sldMasterId id="2147483648" r:id="rId1"/>
-    <p:sldMasterId id="2147483696" r:id="rId2"/>
   </p:sldMasterIdLst>
   <p:notesMasterIdLst>
-    <p:notesMasterId r:id="rId9"/>
+    <p:notesMasterId r:id="rId8"/>
   </p:notesMasterIdLst>
   <p:sldIdLst>
     <p:sldId id="265" r:id="rId3"/>
@@ -14,7 +13,6 @@
     <p:sldId id="308" r:id="rId5"/>
     <p:sldId id="296" r:id="rId6"/>
     <p:sldId id="297" r:id="rId7"/>
-    <p:sldId id="264" r:id="rId8"/>
   </p:sldIdLst>
   <p:sldSz cx="12192000" cy="6858000"/>
   <p:notesSz cx="6858000" cy="9144000"/>
@@ -113,11 +111,6 @@
       </a:defRPr>
     </a:lvl9pPr>
   </p:defaultTextStyle>
-  <p:extLst>
-    <p:ext uri="{EFAFB233-063F-42B5-8137-9DF3F51BA10A}">
-      <p15:sldGuideLst xmlns:p15="http://schemas.microsoft.com/office/powerpoint/2012/main" xmlns=""/>
-    </p:ext>
-  </p:extLst>
 </p:presentation>
 </file>
 
@@ -203,7 +196,6 @@
           <a:p>
             <a:fld id="{D9EB0A70-8184-4CEA-B6D5-08E2E1CE93CD}" type="datetimeFigureOut">
               <a:rPr lang="zh-CN" altLang="en-US" smtClean="0"/>
-              <a:t>2019/8/25</a:t>
             </a:fld>
             <a:endParaRPr lang="zh-CN" altLang="en-US"/>
           </a:p>
@@ -270,6 +262,7 @@
               <a:rPr lang="zh-CN" altLang="en-US" smtClean="0"/>
               <a:t>单击此处编辑母版文本样式</a:t>
             </a:r>
+            <a:endParaRPr lang="zh-CN" altLang="en-US" smtClean="0"/>
           </a:p>
           <a:p>
             <a:pPr lvl="1"/>
@@ -277,6 +270,7 @@
               <a:rPr lang="zh-CN" altLang="en-US" smtClean="0"/>
               <a:t>第二级</a:t>
             </a:r>
+            <a:endParaRPr lang="zh-CN" altLang="en-US" smtClean="0"/>
           </a:p>
           <a:p>
             <a:pPr lvl="2"/>
@@ -284,6 +278,7 @@
               <a:rPr lang="zh-CN" altLang="en-US" smtClean="0"/>
               <a:t>第三级</a:t>
             </a:r>
+            <a:endParaRPr lang="zh-CN" altLang="en-US" smtClean="0"/>
           </a:p>
           <a:p>
             <a:pPr lvl="3"/>
@@ -291,6 +286,7 @@
               <a:rPr lang="zh-CN" altLang="en-US" smtClean="0"/>
               <a:t>第四级</a:t>
             </a:r>
+            <a:endParaRPr lang="zh-CN" altLang="en-US" smtClean="0"/>
           </a:p>
           <a:p>
             <a:pPr lvl="4"/>
@@ -362,18 +358,12 @@
           <a:p>
             <a:fld id="{801E9138-A24A-4391-984E-BA3BB549BA05}" type="slidenum">
               <a:rPr lang="zh-CN" altLang="en-US" smtClean="0"/>
-              <a:t>‹#›</a:t>
             </a:fld>
             <a:endParaRPr lang="zh-CN" altLang="en-US"/>
           </a:p>
         </p:txBody>
       </p:sp>
     </p:spTree>
-    <p:extLst>
-      <p:ext uri="{BB962C8B-B14F-4D97-AF65-F5344CB8AC3E}">
-        <p14:creationId xmlns:p14="http://schemas.microsoft.com/office/powerpoint/2010/main" val="1973221978"/>
-      </p:ext>
-    </p:extLst>
   </p:cSld>
   <p:clrMap bg1="lt1" tx1="dk1" bg2="lt2" tx2="dk2" accent1="accent1" accent2="accent2" accent3="accent3" accent4="accent4" accent5="accent5" accent6="accent6" hlink="hlink" folHlink="folHlink"/>
   <p:notesStyle>
@@ -602,7 +592,6 @@
           <a:p>
             <a:fld id="{12262E2C-A2CC-494A-8C3F-53906177508A}" type="datetimeFigureOut">
               <a:rPr lang="zh-CN" altLang="en-US" smtClean="0"/>
-              <a:t>2019/8/25</a:t>
             </a:fld>
             <a:endParaRPr lang="zh-CN" altLang="en-US"/>
           </a:p>
@@ -644,18 +633,12 @@
           <a:p>
             <a:fld id="{464D194B-6111-4B23-8170-AE884B01C72C}" type="slidenum">
               <a:rPr lang="zh-CN" altLang="en-US" smtClean="0"/>
-              <a:t>‹#›</a:t>
             </a:fld>
             <a:endParaRPr lang="zh-CN" altLang="en-US"/>
           </a:p>
         </p:txBody>
       </p:sp>
     </p:spTree>
-    <p:extLst>
-      <p:ext uri="{BB962C8B-B14F-4D97-AF65-F5344CB8AC3E}">
-        <p14:creationId xmlns:p14="http://schemas.microsoft.com/office/powerpoint/2010/main" val="2961034079"/>
-      </p:ext>
-    </p:extLst>
   </p:cSld>
   <p:clrMapOvr>
     <a:masterClrMapping/>
@@ -723,6 +706,7 @@
               <a:rPr lang="zh-CN" altLang="en-US" smtClean="0"/>
               <a:t>单击此处编辑母版文本样式</a:t>
             </a:r>
+            <a:endParaRPr lang="zh-CN" altLang="en-US" smtClean="0"/>
           </a:p>
           <a:p>
             <a:pPr lvl="1"/>
@@ -730,6 +714,7 @@
               <a:rPr lang="zh-CN" altLang="en-US" smtClean="0"/>
               <a:t>第二级</a:t>
             </a:r>
+            <a:endParaRPr lang="zh-CN" altLang="en-US" smtClean="0"/>
           </a:p>
           <a:p>
             <a:pPr lvl="2"/>
@@ -737,6 +722,7 @@
               <a:rPr lang="zh-CN" altLang="en-US" smtClean="0"/>
               <a:t>第三级</a:t>
             </a:r>
+            <a:endParaRPr lang="zh-CN" altLang="en-US" smtClean="0"/>
           </a:p>
           <a:p>
             <a:pPr lvl="3"/>
@@ -744,6 +730,7 @@
               <a:rPr lang="zh-CN" altLang="en-US" smtClean="0"/>
               <a:t>第四级</a:t>
             </a:r>
+            <a:endParaRPr lang="zh-CN" altLang="en-US" smtClean="0"/>
           </a:p>
           <a:p>
             <a:pPr lvl="4"/>
@@ -772,7 +759,6 @@
           <a:p>
             <a:fld id="{12262E2C-A2CC-494A-8C3F-53906177508A}" type="datetimeFigureOut">
               <a:rPr lang="zh-CN" altLang="en-US" smtClean="0"/>
-              <a:t>2019/8/25</a:t>
             </a:fld>
             <a:endParaRPr lang="zh-CN" altLang="en-US"/>
           </a:p>
@@ -814,18 +800,12 @@
           <a:p>
             <a:fld id="{464D194B-6111-4B23-8170-AE884B01C72C}" type="slidenum">
               <a:rPr lang="zh-CN" altLang="en-US" smtClean="0"/>
-              <a:t>‹#›</a:t>
             </a:fld>
             <a:endParaRPr lang="zh-CN" altLang="en-US"/>
           </a:p>
         </p:txBody>
       </p:sp>
     </p:spTree>
-    <p:extLst>
-      <p:ext uri="{BB962C8B-B14F-4D97-AF65-F5344CB8AC3E}">
-        <p14:creationId xmlns:p14="http://schemas.microsoft.com/office/powerpoint/2010/main" val="4192835484"/>
-      </p:ext>
-    </p:extLst>
   </p:cSld>
   <p:clrMapOvr>
     <a:masterClrMapping/>
@@ -903,6 +883,7 @@
               <a:rPr lang="zh-CN" altLang="en-US" smtClean="0"/>
               <a:t>单击此处编辑母版文本样式</a:t>
             </a:r>
+            <a:endParaRPr lang="zh-CN" altLang="en-US" smtClean="0"/>
           </a:p>
           <a:p>
             <a:pPr lvl="1"/>
@@ -910,6 +891,7 @@
               <a:rPr lang="zh-CN" altLang="en-US" smtClean="0"/>
               <a:t>第二级</a:t>
             </a:r>
+            <a:endParaRPr lang="zh-CN" altLang="en-US" smtClean="0"/>
           </a:p>
           <a:p>
             <a:pPr lvl="2"/>
@@ -917,6 +899,7 @@
               <a:rPr lang="zh-CN" altLang="en-US" smtClean="0"/>
               <a:t>第三级</a:t>
             </a:r>
+            <a:endParaRPr lang="zh-CN" altLang="en-US" smtClean="0"/>
           </a:p>
           <a:p>
             <a:pPr lvl="3"/>
@@ -924,6 +907,7 @@
               <a:rPr lang="zh-CN" altLang="en-US" smtClean="0"/>
               <a:t>第四级</a:t>
             </a:r>
+            <a:endParaRPr lang="zh-CN" altLang="en-US" smtClean="0"/>
           </a:p>
           <a:p>
             <a:pPr lvl="4"/>
@@ -952,7 +936,6 @@
           <a:p>
             <a:fld id="{12262E2C-A2CC-494A-8C3F-53906177508A}" type="datetimeFigureOut">
               <a:rPr lang="zh-CN" altLang="en-US" smtClean="0"/>
-              <a:t>2019/8/25</a:t>
             </a:fld>
             <a:endParaRPr lang="zh-CN" altLang="en-US"/>
           </a:p>
@@ -994,2053 +977,16 @@
           <a:p>
             <a:fld id="{464D194B-6111-4B23-8170-AE884B01C72C}" type="slidenum">
               <a:rPr lang="zh-CN" altLang="en-US" smtClean="0"/>
-              <a:t>‹#›</a:t>
             </a:fld>
             <a:endParaRPr lang="zh-CN" altLang="en-US"/>
           </a:p>
         </p:txBody>
       </p:sp>
     </p:spTree>
-    <p:extLst>
-      <p:ext uri="{BB962C8B-B14F-4D97-AF65-F5344CB8AC3E}">
-        <p14:creationId xmlns:p14="http://schemas.microsoft.com/office/powerpoint/2010/main" val="1606786878"/>
-      </p:ext>
-    </p:extLst>
   </p:cSld>
   <p:clrMapOvr>
     <a:masterClrMapping/>
   </p:clrMapOvr>
-</p:sldLayout>
-</file>
-
-<file path=ppt/slideLayouts/slideLayout12.xml><?xml version="1.0" encoding="utf-8"?>
-<p:sldLayout xmlns:a="http://schemas.openxmlformats.org/drawingml/2006/main" xmlns:r="http://schemas.openxmlformats.org/officeDocument/2006/relationships" xmlns:p="http://schemas.openxmlformats.org/presentationml/2006/main" type="title" preserve="1">
-  <p:cSld name="标题幻灯片">
-    <p:bg>
-      <p:bgPr>
-        <a:solidFill>
-          <a:schemeClr val="tx1"/>
-        </a:solidFill>
-        <a:effectLst/>
-      </p:bgPr>
-    </p:bg>
-    <p:spTree>
-      <p:nvGrpSpPr>
-        <p:cNvPr id="1" name=""/>
-        <p:cNvGrpSpPr/>
-        <p:nvPr/>
-      </p:nvGrpSpPr>
-      <p:grpSpPr>
-        <a:xfrm>
-          <a:off x="0" y="0"/>
-          <a:ext cx="0" cy="0"/>
-          <a:chOff x="0" y="0"/>
-          <a:chExt cx="0" cy="0"/>
-        </a:xfrm>
-      </p:grpSpPr>
-      <p:sp>
-        <p:nvSpPr>
-          <p:cNvPr id="2" name="标题 1"/>
-          <p:cNvSpPr>
-            <a:spLocks noGrp="1"/>
-          </p:cNvSpPr>
-          <p:nvPr>
-            <p:ph type="ctrTitle"/>
-          </p:nvPr>
-        </p:nvSpPr>
-        <p:spPr>
-          <a:xfrm>
-            <a:off x="914400" y="2130426"/>
-            <a:ext cx="10363200" cy="1470025"/>
-          </a:xfrm>
-        </p:spPr>
-        <p:txBody>
-          <a:bodyPr/>
-          <a:lstStyle/>
-          <a:p>
-            <a:r>
-              <a:rPr lang="zh-CN" altLang="en-US" smtClean="0"/>
-              <a:t>单击此处编辑母版标题样式</a:t>
-            </a:r>
-            <a:endParaRPr lang="zh-CN" altLang="en-US"/>
-          </a:p>
-        </p:txBody>
-      </p:sp>
-      <p:sp>
-        <p:nvSpPr>
-          <p:cNvPr id="3" name="副标题 2"/>
-          <p:cNvSpPr>
-            <a:spLocks noGrp="1"/>
-          </p:cNvSpPr>
-          <p:nvPr>
-            <p:ph type="subTitle" idx="1"/>
-          </p:nvPr>
-        </p:nvSpPr>
-        <p:spPr>
-          <a:xfrm>
-            <a:off x="1828800" y="3886200"/>
-            <a:ext cx="8534400" cy="1752600"/>
-          </a:xfrm>
-        </p:spPr>
-        <p:txBody>
-          <a:bodyPr/>
-          <a:lstStyle>
-            <a:lvl1pPr marL="0" indent="0" algn="ctr">
-              <a:buNone/>
-              <a:defRPr>
-                <a:solidFill>
-                  <a:schemeClr val="tx1">
-                    <a:tint val="75000"/>
-                  </a:schemeClr>
-                </a:solidFill>
-              </a:defRPr>
-            </a:lvl1pPr>
-            <a:lvl2pPr marL="609585" indent="0" algn="ctr">
-              <a:buNone/>
-              <a:defRPr>
-                <a:solidFill>
-                  <a:schemeClr val="tx1">
-                    <a:tint val="75000"/>
-                  </a:schemeClr>
-                </a:solidFill>
-              </a:defRPr>
-            </a:lvl2pPr>
-            <a:lvl3pPr marL="1219170" indent="0" algn="ctr">
-              <a:buNone/>
-              <a:defRPr>
-                <a:solidFill>
-                  <a:schemeClr val="tx1">
-                    <a:tint val="75000"/>
-                  </a:schemeClr>
-                </a:solidFill>
-              </a:defRPr>
-            </a:lvl3pPr>
-            <a:lvl4pPr marL="1828754" indent="0" algn="ctr">
-              <a:buNone/>
-              <a:defRPr>
-                <a:solidFill>
-                  <a:schemeClr val="tx1">
-                    <a:tint val="75000"/>
-                  </a:schemeClr>
-                </a:solidFill>
-              </a:defRPr>
-            </a:lvl4pPr>
-            <a:lvl5pPr marL="2438339" indent="0" algn="ctr">
-              <a:buNone/>
-              <a:defRPr>
-                <a:solidFill>
-                  <a:schemeClr val="tx1">
-                    <a:tint val="75000"/>
-                  </a:schemeClr>
-                </a:solidFill>
-              </a:defRPr>
-            </a:lvl5pPr>
-            <a:lvl6pPr marL="3047924" indent="0" algn="ctr">
-              <a:buNone/>
-              <a:defRPr>
-                <a:solidFill>
-                  <a:schemeClr val="tx1">
-                    <a:tint val="75000"/>
-                  </a:schemeClr>
-                </a:solidFill>
-              </a:defRPr>
-            </a:lvl6pPr>
-            <a:lvl7pPr marL="3657509" indent="0" algn="ctr">
-              <a:buNone/>
-              <a:defRPr>
-                <a:solidFill>
-                  <a:schemeClr val="tx1">
-                    <a:tint val="75000"/>
-                  </a:schemeClr>
-                </a:solidFill>
-              </a:defRPr>
-            </a:lvl7pPr>
-            <a:lvl8pPr marL="4267093" indent="0" algn="ctr">
-              <a:buNone/>
-              <a:defRPr>
-                <a:solidFill>
-                  <a:schemeClr val="tx1">
-                    <a:tint val="75000"/>
-                  </a:schemeClr>
-                </a:solidFill>
-              </a:defRPr>
-            </a:lvl8pPr>
-            <a:lvl9pPr marL="4876678" indent="0" algn="ctr">
-              <a:buNone/>
-              <a:defRPr>
-                <a:solidFill>
-                  <a:schemeClr val="tx1">
-                    <a:tint val="75000"/>
-                  </a:schemeClr>
-                </a:solidFill>
-              </a:defRPr>
-            </a:lvl9pPr>
-          </a:lstStyle>
-          <a:p>
-            <a:r>
-              <a:rPr lang="zh-CN" altLang="en-US" smtClean="0"/>
-              <a:t>单击此处编辑母版副标题样式</a:t>
-            </a:r>
-            <a:endParaRPr lang="zh-CN" altLang="en-US"/>
-          </a:p>
-        </p:txBody>
-      </p:sp>
-      <p:sp>
-        <p:nvSpPr>
-          <p:cNvPr id="4" name="日期占位符 3"/>
-          <p:cNvSpPr>
-            <a:spLocks noGrp="1"/>
-          </p:cNvSpPr>
-          <p:nvPr>
-            <p:ph type="dt" sz="half" idx="10"/>
-          </p:nvPr>
-        </p:nvSpPr>
-        <p:spPr/>
-        <p:txBody>
-          <a:bodyPr/>
-          <a:lstStyle>
-            <a:lvl1pPr>
-              <a:defRPr/>
-            </a:lvl1pPr>
-          </a:lstStyle>
-          <a:p>
-            <a:fld id="{12262E2C-A2CC-494A-8C3F-53906177508A}" type="datetimeFigureOut">
-              <a:rPr lang="zh-CN" altLang="en-US" smtClean="0"/>
-              <a:t>2019/8/25</a:t>
-            </a:fld>
-            <a:endParaRPr lang="zh-CN" altLang="en-US"/>
-          </a:p>
-        </p:txBody>
-      </p:sp>
-      <p:sp>
-        <p:nvSpPr>
-          <p:cNvPr id="5" name="页脚占位符 4"/>
-          <p:cNvSpPr>
-            <a:spLocks noGrp="1"/>
-          </p:cNvSpPr>
-          <p:nvPr>
-            <p:ph type="ftr" sz="quarter" idx="11"/>
-          </p:nvPr>
-        </p:nvSpPr>
-        <p:spPr/>
-        <p:txBody>
-          <a:bodyPr/>
-          <a:lstStyle>
-            <a:lvl1pPr>
-              <a:defRPr/>
-            </a:lvl1pPr>
-          </a:lstStyle>
-          <a:p>
-            <a:endParaRPr lang="zh-CN" altLang="en-US"/>
-          </a:p>
-        </p:txBody>
-      </p:sp>
-      <p:sp>
-        <p:nvSpPr>
-          <p:cNvPr id="6" name="灯片编号占位符 5"/>
-          <p:cNvSpPr>
-            <a:spLocks noGrp="1"/>
-          </p:cNvSpPr>
-          <p:nvPr>
-            <p:ph type="sldNum" sz="quarter" idx="12"/>
-          </p:nvPr>
-        </p:nvSpPr>
-        <p:spPr/>
-        <p:txBody>
-          <a:bodyPr/>
-          <a:lstStyle>
-            <a:lvl1pPr>
-              <a:defRPr/>
-            </a:lvl1pPr>
-          </a:lstStyle>
-          <a:p>
-            <a:fld id="{464D194B-6111-4B23-8170-AE884B01C72C}" type="slidenum">
-              <a:rPr lang="zh-CN" altLang="en-US" smtClean="0"/>
-              <a:t>‹#›</a:t>
-            </a:fld>
-            <a:endParaRPr lang="zh-CN" altLang="en-US"/>
-          </a:p>
-        </p:txBody>
-      </p:sp>
-    </p:spTree>
-    <p:extLst>
-      <p:ext uri="{BB962C8B-B14F-4D97-AF65-F5344CB8AC3E}">
-        <p14:creationId xmlns:p14="http://schemas.microsoft.com/office/powerpoint/2010/main" val="1263401413"/>
-      </p:ext>
-    </p:extLst>
-  </p:cSld>
-  <p:clrMapOvr>
-    <a:masterClrMapping/>
-  </p:clrMapOvr>
-  <mc:AlternateContent xmlns:mc="http://schemas.openxmlformats.org/markup-compatibility/2006" xmlns:p14="http://schemas.microsoft.com/office/powerpoint/2010/main">
-    <mc:Choice Requires="p14">
-      <p:transition p14:dur="10" advTm="0"/>
-    </mc:Choice>
-    <mc:Fallback xmlns="">
-      <p:transition advTm="0"/>
-    </mc:Fallback>
-  </mc:AlternateContent>
-</p:sldLayout>
-</file>
-
-<file path=ppt/slideLayouts/slideLayout13.xml><?xml version="1.0" encoding="utf-8"?>
-<p:sldLayout xmlns:a="http://schemas.openxmlformats.org/drawingml/2006/main" xmlns:r="http://schemas.openxmlformats.org/officeDocument/2006/relationships" xmlns:p="http://schemas.openxmlformats.org/presentationml/2006/main" type="obj" preserve="1">
-  <p:cSld name="标题和内容">
-    <p:spTree>
-      <p:nvGrpSpPr>
-        <p:cNvPr id="1" name=""/>
-        <p:cNvGrpSpPr/>
-        <p:nvPr/>
-      </p:nvGrpSpPr>
-      <p:grpSpPr>
-        <a:xfrm>
-          <a:off x="0" y="0"/>
-          <a:ext cx="0" cy="0"/>
-          <a:chOff x="0" y="0"/>
-          <a:chExt cx="0" cy="0"/>
-        </a:xfrm>
-      </p:grpSpPr>
-      <p:sp>
-        <p:nvSpPr>
-          <p:cNvPr id="2" name="标题 1"/>
-          <p:cNvSpPr>
-            <a:spLocks noGrp="1"/>
-          </p:cNvSpPr>
-          <p:nvPr>
-            <p:ph type="title"/>
-          </p:nvPr>
-        </p:nvSpPr>
-        <p:spPr/>
-        <p:txBody>
-          <a:bodyPr/>
-          <a:lstStyle/>
-          <a:p>
-            <a:r>
-              <a:rPr lang="zh-CN" altLang="en-US" smtClean="0"/>
-              <a:t>单击此处编辑母版标题样式</a:t>
-            </a:r>
-            <a:endParaRPr lang="zh-CN" altLang="en-US"/>
-          </a:p>
-        </p:txBody>
-      </p:sp>
-      <p:sp>
-        <p:nvSpPr>
-          <p:cNvPr id="3" name="内容占位符 2"/>
-          <p:cNvSpPr>
-            <a:spLocks noGrp="1"/>
-          </p:cNvSpPr>
-          <p:nvPr>
-            <p:ph idx="1"/>
-          </p:nvPr>
-        </p:nvSpPr>
-        <p:spPr/>
-        <p:txBody>
-          <a:bodyPr/>
-          <a:lstStyle/>
-          <a:p>
-            <a:pPr lvl="0"/>
-            <a:r>
-              <a:rPr lang="zh-CN" altLang="en-US" smtClean="0"/>
-              <a:t>单击此处编辑母版文本样式</a:t>
-            </a:r>
-          </a:p>
-          <a:p>
-            <a:pPr lvl="1"/>
-            <a:r>
-              <a:rPr lang="zh-CN" altLang="en-US" smtClean="0"/>
-              <a:t>第二级</a:t>
-            </a:r>
-          </a:p>
-          <a:p>
-            <a:pPr lvl="2"/>
-            <a:r>
-              <a:rPr lang="zh-CN" altLang="en-US" smtClean="0"/>
-              <a:t>第三级</a:t>
-            </a:r>
-          </a:p>
-          <a:p>
-            <a:pPr lvl="3"/>
-            <a:r>
-              <a:rPr lang="zh-CN" altLang="en-US" smtClean="0"/>
-              <a:t>第四级</a:t>
-            </a:r>
-          </a:p>
-          <a:p>
-            <a:pPr lvl="4"/>
-            <a:r>
-              <a:rPr lang="zh-CN" altLang="en-US" smtClean="0"/>
-              <a:t>第五级</a:t>
-            </a:r>
-            <a:endParaRPr lang="zh-CN" altLang="en-US"/>
-          </a:p>
-        </p:txBody>
-      </p:sp>
-      <p:sp>
-        <p:nvSpPr>
-          <p:cNvPr id="4" name="日期占位符 3"/>
-          <p:cNvSpPr>
-            <a:spLocks noGrp="1"/>
-          </p:cNvSpPr>
-          <p:nvPr>
-            <p:ph type="dt" sz="half" idx="10"/>
-          </p:nvPr>
-        </p:nvSpPr>
-        <p:spPr/>
-        <p:txBody>
-          <a:bodyPr/>
-          <a:lstStyle>
-            <a:lvl1pPr>
-              <a:defRPr/>
-            </a:lvl1pPr>
-          </a:lstStyle>
-          <a:p>
-            <a:fld id="{12262E2C-A2CC-494A-8C3F-53906177508A}" type="datetimeFigureOut">
-              <a:rPr lang="zh-CN" altLang="en-US" smtClean="0"/>
-              <a:t>2019/8/25</a:t>
-            </a:fld>
-            <a:endParaRPr lang="zh-CN" altLang="en-US"/>
-          </a:p>
-        </p:txBody>
-      </p:sp>
-      <p:sp>
-        <p:nvSpPr>
-          <p:cNvPr id="5" name="页脚占位符 4"/>
-          <p:cNvSpPr>
-            <a:spLocks noGrp="1"/>
-          </p:cNvSpPr>
-          <p:nvPr>
-            <p:ph type="ftr" sz="quarter" idx="11"/>
-          </p:nvPr>
-        </p:nvSpPr>
-        <p:spPr/>
-        <p:txBody>
-          <a:bodyPr/>
-          <a:lstStyle>
-            <a:lvl1pPr>
-              <a:defRPr/>
-            </a:lvl1pPr>
-          </a:lstStyle>
-          <a:p>
-            <a:endParaRPr lang="zh-CN" altLang="en-US"/>
-          </a:p>
-        </p:txBody>
-      </p:sp>
-      <p:sp>
-        <p:nvSpPr>
-          <p:cNvPr id="6" name="灯片编号占位符 5"/>
-          <p:cNvSpPr>
-            <a:spLocks noGrp="1"/>
-          </p:cNvSpPr>
-          <p:nvPr>
-            <p:ph type="sldNum" sz="quarter" idx="12"/>
-          </p:nvPr>
-        </p:nvSpPr>
-        <p:spPr/>
-        <p:txBody>
-          <a:bodyPr/>
-          <a:lstStyle>
-            <a:lvl1pPr>
-              <a:defRPr/>
-            </a:lvl1pPr>
-          </a:lstStyle>
-          <a:p>
-            <a:fld id="{464D194B-6111-4B23-8170-AE884B01C72C}" type="slidenum">
-              <a:rPr lang="zh-CN" altLang="en-US" smtClean="0"/>
-              <a:t>‹#›</a:t>
-            </a:fld>
-            <a:endParaRPr lang="zh-CN" altLang="en-US"/>
-          </a:p>
-        </p:txBody>
-      </p:sp>
-    </p:spTree>
-    <p:extLst>
-      <p:ext uri="{BB962C8B-B14F-4D97-AF65-F5344CB8AC3E}">
-        <p14:creationId xmlns:p14="http://schemas.microsoft.com/office/powerpoint/2010/main" val="1129033272"/>
-      </p:ext>
-    </p:extLst>
-  </p:cSld>
-  <p:clrMapOvr>
-    <a:masterClrMapping/>
-  </p:clrMapOvr>
-  <mc:AlternateContent xmlns:mc="http://schemas.openxmlformats.org/markup-compatibility/2006" xmlns:p14="http://schemas.microsoft.com/office/powerpoint/2010/main">
-    <mc:Choice Requires="p14">
-      <p:transition p14:dur="10" advTm="0"/>
-    </mc:Choice>
-    <mc:Fallback xmlns="">
-      <p:transition advTm="0"/>
-    </mc:Fallback>
-  </mc:AlternateContent>
-</p:sldLayout>
-</file>
-
-<file path=ppt/slideLayouts/slideLayout14.xml><?xml version="1.0" encoding="utf-8"?>
-<p:sldLayout xmlns:a="http://schemas.openxmlformats.org/drawingml/2006/main" xmlns:r="http://schemas.openxmlformats.org/officeDocument/2006/relationships" xmlns:p="http://schemas.openxmlformats.org/presentationml/2006/main" type="secHead" preserve="1">
-  <p:cSld name="节标题">
-    <p:spTree>
-      <p:nvGrpSpPr>
-        <p:cNvPr id="1" name=""/>
-        <p:cNvGrpSpPr/>
-        <p:nvPr/>
-      </p:nvGrpSpPr>
-      <p:grpSpPr>
-        <a:xfrm>
-          <a:off x="0" y="0"/>
-          <a:ext cx="0" cy="0"/>
-          <a:chOff x="0" y="0"/>
-          <a:chExt cx="0" cy="0"/>
-        </a:xfrm>
-      </p:grpSpPr>
-      <p:sp>
-        <p:nvSpPr>
-          <p:cNvPr id="2" name="标题 1"/>
-          <p:cNvSpPr>
-            <a:spLocks noGrp="1"/>
-          </p:cNvSpPr>
-          <p:nvPr>
-            <p:ph type="title"/>
-          </p:nvPr>
-        </p:nvSpPr>
-        <p:spPr>
-          <a:xfrm>
-            <a:off x="963084" y="4406901"/>
-            <a:ext cx="10363200" cy="1362075"/>
-          </a:xfrm>
-        </p:spPr>
-        <p:txBody>
-          <a:bodyPr anchor="t"/>
-          <a:lstStyle>
-            <a:lvl1pPr algn="l">
-              <a:defRPr sz="5333" b="1" cap="all"/>
-            </a:lvl1pPr>
-          </a:lstStyle>
-          <a:p>
-            <a:r>
-              <a:rPr lang="zh-CN" altLang="en-US" smtClean="0"/>
-              <a:t>单击此处编辑母版标题样式</a:t>
-            </a:r>
-            <a:endParaRPr lang="zh-CN" altLang="en-US"/>
-          </a:p>
-        </p:txBody>
-      </p:sp>
-      <p:sp>
-        <p:nvSpPr>
-          <p:cNvPr id="3" name="文本占位符 2"/>
-          <p:cNvSpPr>
-            <a:spLocks noGrp="1"/>
-          </p:cNvSpPr>
-          <p:nvPr>
-            <p:ph type="body" idx="1"/>
-          </p:nvPr>
-        </p:nvSpPr>
-        <p:spPr>
-          <a:xfrm>
-            <a:off x="963084" y="2906713"/>
-            <a:ext cx="10363200" cy="1500187"/>
-          </a:xfrm>
-        </p:spPr>
-        <p:txBody>
-          <a:bodyPr anchor="b"/>
-          <a:lstStyle>
-            <a:lvl1pPr marL="0" indent="0">
-              <a:buNone/>
-              <a:defRPr sz="2667">
-                <a:solidFill>
-                  <a:schemeClr val="tx1">
-                    <a:tint val="75000"/>
-                  </a:schemeClr>
-                </a:solidFill>
-              </a:defRPr>
-            </a:lvl1pPr>
-            <a:lvl2pPr marL="609585" indent="0">
-              <a:buNone/>
-              <a:defRPr sz="2400">
-                <a:solidFill>
-                  <a:schemeClr val="tx1">
-                    <a:tint val="75000"/>
-                  </a:schemeClr>
-                </a:solidFill>
-              </a:defRPr>
-            </a:lvl2pPr>
-            <a:lvl3pPr marL="1219170" indent="0">
-              <a:buNone/>
-              <a:defRPr sz="2133">
-                <a:solidFill>
-                  <a:schemeClr val="tx1">
-                    <a:tint val="75000"/>
-                  </a:schemeClr>
-                </a:solidFill>
-              </a:defRPr>
-            </a:lvl3pPr>
-            <a:lvl4pPr marL="1828754" indent="0">
-              <a:buNone/>
-              <a:defRPr sz="1867">
-                <a:solidFill>
-                  <a:schemeClr val="tx1">
-                    <a:tint val="75000"/>
-                  </a:schemeClr>
-                </a:solidFill>
-              </a:defRPr>
-            </a:lvl4pPr>
-            <a:lvl5pPr marL="2438339" indent="0">
-              <a:buNone/>
-              <a:defRPr sz="1867">
-                <a:solidFill>
-                  <a:schemeClr val="tx1">
-                    <a:tint val="75000"/>
-                  </a:schemeClr>
-                </a:solidFill>
-              </a:defRPr>
-            </a:lvl5pPr>
-            <a:lvl6pPr marL="3047924" indent="0">
-              <a:buNone/>
-              <a:defRPr sz="1867">
-                <a:solidFill>
-                  <a:schemeClr val="tx1">
-                    <a:tint val="75000"/>
-                  </a:schemeClr>
-                </a:solidFill>
-              </a:defRPr>
-            </a:lvl6pPr>
-            <a:lvl7pPr marL="3657509" indent="0">
-              <a:buNone/>
-              <a:defRPr sz="1867">
-                <a:solidFill>
-                  <a:schemeClr val="tx1">
-                    <a:tint val="75000"/>
-                  </a:schemeClr>
-                </a:solidFill>
-              </a:defRPr>
-            </a:lvl7pPr>
-            <a:lvl8pPr marL="4267093" indent="0">
-              <a:buNone/>
-              <a:defRPr sz="1867">
-                <a:solidFill>
-                  <a:schemeClr val="tx1">
-                    <a:tint val="75000"/>
-                  </a:schemeClr>
-                </a:solidFill>
-              </a:defRPr>
-            </a:lvl8pPr>
-            <a:lvl9pPr marL="4876678" indent="0">
-              <a:buNone/>
-              <a:defRPr sz="1867">
-                <a:solidFill>
-                  <a:schemeClr val="tx1">
-                    <a:tint val="75000"/>
-                  </a:schemeClr>
-                </a:solidFill>
-              </a:defRPr>
-            </a:lvl9pPr>
-          </a:lstStyle>
-          <a:p>
-            <a:pPr lvl="0"/>
-            <a:r>
-              <a:rPr lang="zh-CN" altLang="en-US" smtClean="0"/>
-              <a:t>单击此处编辑母版文本样式</a:t>
-            </a:r>
-          </a:p>
-        </p:txBody>
-      </p:sp>
-      <p:sp>
-        <p:nvSpPr>
-          <p:cNvPr id="4" name="日期占位符 3"/>
-          <p:cNvSpPr>
-            <a:spLocks noGrp="1"/>
-          </p:cNvSpPr>
-          <p:nvPr>
-            <p:ph type="dt" sz="half" idx="10"/>
-          </p:nvPr>
-        </p:nvSpPr>
-        <p:spPr/>
-        <p:txBody>
-          <a:bodyPr/>
-          <a:lstStyle>
-            <a:lvl1pPr>
-              <a:defRPr/>
-            </a:lvl1pPr>
-          </a:lstStyle>
-          <a:p>
-            <a:fld id="{12262E2C-A2CC-494A-8C3F-53906177508A}" type="datetimeFigureOut">
-              <a:rPr lang="zh-CN" altLang="en-US" smtClean="0"/>
-              <a:t>2019/8/25</a:t>
-            </a:fld>
-            <a:endParaRPr lang="zh-CN" altLang="en-US"/>
-          </a:p>
-        </p:txBody>
-      </p:sp>
-      <p:sp>
-        <p:nvSpPr>
-          <p:cNvPr id="5" name="页脚占位符 4"/>
-          <p:cNvSpPr>
-            <a:spLocks noGrp="1"/>
-          </p:cNvSpPr>
-          <p:nvPr>
-            <p:ph type="ftr" sz="quarter" idx="11"/>
-          </p:nvPr>
-        </p:nvSpPr>
-        <p:spPr/>
-        <p:txBody>
-          <a:bodyPr/>
-          <a:lstStyle>
-            <a:lvl1pPr>
-              <a:defRPr/>
-            </a:lvl1pPr>
-          </a:lstStyle>
-          <a:p>
-            <a:endParaRPr lang="zh-CN" altLang="en-US"/>
-          </a:p>
-        </p:txBody>
-      </p:sp>
-      <p:sp>
-        <p:nvSpPr>
-          <p:cNvPr id="6" name="灯片编号占位符 5"/>
-          <p:cNvSpPr>
-            <a:spLocks noGrp="1"/>
-          </p:cNvSpPr>
-          <p:nvPr>
-            <p:ph type="sldNum" sz="quarter" idx="12"/>
-          </p:nvPr>
-        </p:nvSpPr>
-        <p:spPr/>
-        <p:txBody>
-          <a:bodyPr/>
-          <a:lstStyle>
-            <a:lvl1pPr>
-              <a:defRPr/>
-            </a:lvl1pPr>
-          </a:lstStyle>
-          <a:p>
-            <a:fld id="{464D194B-6111-4B23-8170-AE884B01C72C}" type="slidenum">
-              <a:rPr lang="zh-CN" altLang="en-US" smtClean="0"/>
-              <a:t>‹#›</a:t>
-            </a:fld>
-            <a:endParaRPr lang="zh-CN" altLang="en-US"/>
-          </a:p>
-        </p:txBody>
-      </p:sp>
-    </p:spTree>
-    <p:extLst>
-      <p:ext uri="{BB962C8B-B14F-4D97-AF65-F5344CB8AC3E}">
-        <p14:creationId xmlns:p14="http://schemas.microsoft.com/office/powerpoint/2010/main" val="3876229504"/>
-      </p:ext>
-    </p:extLst>
-  </p:cSld>
-  <p:clrMapOvr>
-    <a:masterClrMapping/>
-  </p:clrMapOvr>
-  <mc:AlternateContent xmlns:mc="http://schemas.openxmlformats.org/markup-compatibility/2006" xmlns:p14="http://schemas.microsoft.com/office/powerpoint/2010/main">
-    <mc:Choice Requires="p14">
-      <p:transition p14:dur="10" advTm="0"/>
-    </mc:Choice>
-    <mc:Fallback xmlns="">
-      <p:transition advTm="0"/>
-    </mc:Fallback>
-  </mc:AlternateContent>
-</p:sldLayout>
-</file>
-
-<file path=ppt/slideLayouts/slideLayout15.xml><?xml version="1.0" encoding="utf-8"?>
-<p:sldLayout xmlns:a="http://schemas.openxmlformats.org/drawingml/2006/main" xmlns:r="http://schemas.openxmlformats.org/officeDocument/2006/relationships" xmlns:p="http://schemas.openxmlformats.org/presentationml/2006/main" type="twoObj" preserve="1">
-  <p:cSld name="两栏内容">
-    <p:spTree>
-      <p:nvGrpSpPr>
-        <p:cNvPr id="1" name=""/>
-        <p:cNvGrpSpPr/>
-        <p:nvPr/>
-      </p:nvGrpSpPr>
-      <p:grpSpPr>
-        <a:xfrm>
-          <a:off x="0" y="0"/>
-          <a:ext cx="0" cy="0"/>
-          <a:chOff x="0" y="0"/>
-          <a:chExt cx="0" cy="0"/>
-        </a:xfrm>
-      </p:grpSpPr>
-      <p:sp>
-        <p:nvSpPr>
-          <p:cNvPr id="2" name="标题 1"/>
-          <p:cNvSpPr>
-            <a:spLocks noGrp="1"/>
-          </p:cNvSpPr>
-          <p:nvPr>
-            <p:ph type="title"/>
-          </p:nvPr>
-        </p:nvSpPr>
-        <p:spPr/>
-        <p:txBody>
-          <a:bodyPr/>
-          <a:lstStyle/>
-          <a:p>
-            <a:r>
-              <a:rPr lang="zh-CN" altLang="en-US" smtClean="0"/>
-              <a:t>单击此处编辑母版标题样式</a:t>
-            </a:r>
-            <a:endParaRPr lang="zh-CN" altLang="en-US"/>
-          </a:p>
-        </p:txBody>
-      </p:sp>
-      <p:sp>
-        <p:nvSpPr>
-          <p:cNvPr id="3" name="内容占位符 2"/>
-          <p:cNvSpPr>
-            <a:spLocks noGrp="1"/>
-          </p:cNvSpPr>
-          <p:nvPr>
-            <p:ph sz="half" idx="1"/>
-          </p:nvPr>
-        </p:nvSpPr>
-        <p:spPr>
-          <a:xfrm>
-            <a:off x="609600" y="1200151"/>
-            <a:ext cx="5384800" cy="3394075"/>
-          </a:xfrm>
-        </p:spPr>
-        <p:txBody>
-          <a:bodyPr/>
-          <a:lstStyle>
-            <a:lvl1pPr>
-              <a:defRPr sz="3733"/>
-            </a:lvl1pPr>
-            <a:lvl2pPr>
-              <a:defRPr sz="3200"/>
-            </a:lvl2pPr>
-            <a:lvl3pPr>
-              <a:defRPr sz="2667"/>
-            </a:lvl3pPr>
-            <a:lvl4pPr>
-              <a:defRPr sz="2400"/>
-            </a:lvl4pPr>
-            <a:lvl5pPr>
-              <a:defRPr sz="2400"/>
-            </a:lvl5pPr>
-            <a:lvl6pPr>
-              <a:defRPr sz="2400"/>
-            </a:lvl6pPr>
-            <a:lvl7pPr>
-              <a:defRPr sz="2400"/>
-            </a:lvl7pPr>
-            <a:lvl8pPr>
-              <a:defRPr sz="2400"/>
-            </a:lvl8pPr>
-            <a:lvl9pPr>
-              <a:defRPr sz="2400"/>
-            </a:lvl9pPr>
-          </a:lstStyle>
-          <a:p>
-            <a:pPr lvl="0"/>
-            <a:r>
-              <a:rPr lang="zh-CN" altLang="en-US" smtClean="0"/>
-              <a:t>单击此处编辑母版文本样式</a:t>
-            </a:r>
-          </a:p>
-          <a:p>
-            <a:pPr lvl="1"/>
-            <a:r>
-              <a:rPr lang="zh-CN" altLang="en-US" smtClean="0"/>
-              <a:t>第二级</a:t>
-            </a:r>
-          </a:p>
-          <a:p>
-            <a:pPr lvl="2"/>
-            <a:r>
-              <a:rPr lang="zh-CN" altLang="en-US" smtClean="0"/>
-              <a:t>第三级</a:t>
-            </a:r>
-          </a:p>
-          <a:p>
-            <a:pPr lvl="3"/>
-            <a:r>
-              <a:rPr lang="zh-CN" altLang="en-US" smtClean="0"/>
-              <a:t>第四级</a:t>
-            </a:r>
-          </a:p>
-          <a:p>
-            <a:pPr lvl="4"/>
-            <a:r>
-              <a:rPr lang="zh-CN" altLang="en-US" smtClean="0"/>
-              <a:t>第五级</a:t>
-            </a:r>
-            <a:endParaRPr lang="zh-CN" altLang="en-US"/>
-          </a:p>
-        </p:txBody>
-      </p:sp>
-      <p:sp>
-        <p:nvSpPr>
-          <p:cNvPr id="4" name="内容占位符 3"/>
-          <p:cNvSpPr>
-            <a:spLocks noGrp="1"/>
-          </p:cNvSpPr>
-          <p:nvPr>
-            <p:ph sz="half" idx="2"/>
-          </p:nvPr>
-        </p:nvSpPr>
-        <p:spPr>
-          <a:xfrm>
-            <a:off x="6197600" y="1200151"/>
-            <a:ext cx="5384800" cy="3394075"/>
-          </a:xfrm>
-        </p:spPr>
-        <p:txBody>
-          <a:bodyPr/>
-          <a:lstStyle>
-            <a:lvl1pPr>
-              <a:defRPr sz="3733"/>
-            </a:lvl1pPr>
-            <a:lvl2pPr>
-              <a:defRPr sz="3200"/>
-            </a:lvl2pPr>
-            <a:lvl3pPr>
-              <a:defRPr sz="2667"/>
-            </a:lvl3pPr>
-            <a:lvl4pPr>
-              <a:defRPr sz="2400"/>
-            </a:lvl4pPr>
-            <a:lvl5pPr>
-              <a:defRPr sz="2400"/>
-            </a:lvl5pPr>
-            <a:lvl6pPr>
-              <a:defRPr sz="2400"/>
-            </a:lvl6pPr>
-            <a:lvl7pPr>
-              <a:defRPr sz="2400"/>
-            </a:lvl7pPr>
-            <a:lvl8pPr>
-              <a:defRPr sz="2400"/>
-            </a:lvl8pPr>
-            <a:lvl9pPr>
-              <a:defRPr sz="2400"/>
-            </a:lvl9pPr>
-          </a:lstStyle>
-          <a:p>
-            <a:pPr lvl="0"/>
-            <a:r>
-              <a:rPr lang="zh-CN" altLang="en-US" smtClean="0"/>
-              <a:t>单击此处编辑母版文本样式</a:t>
-            </a:r>
-          </a:p>
-          <a:p>
-            <a:pPr lvl="1"/>
-            <a:r>
-              <a:rPr lang="zh-CN" altLang="en-US" smtClean="0"/>
-              <a:t>第二级</a:t>
-            </a:r>
-          </a:p>
-          <a:p>
-            <a:pPr lvl="2"/>
-            <a:r>
-              <a:rPr lang="zh-CN" altLang="en-US" smtClean="0"/>
-              <a:t>第三级</a:t>
-            </a:r>
-          </a:p>
-          <a:p>
-            <a:pPr lvl="3"/>
-            <a:r>
-              <a:rPr lang="zh-CN" altLang="en-US" smtClean="0"/>
-              <a:t>第四级</a:t>
-            </a:r>
-          </a:p>
-          <a:p>
-            <a:pPr lvl="4"/>
-            <a:r>
-              <a:rPr lang="zh-CN" altLang="en-US" smtClean="0"/>
-              <a:t>第五级</a:t>
-            </a:r>
-            <a:endParaRPr lang="zh-CN" altLang="en-US"/>
-          </a:p>
-        </p:txBody>
-      </p:sp>
-      <p:sp>
-        <p:nvSpPr>
-          <p:cNvPr id="5" name="日期占位符 3"/>
-          <p:cNvSpPr>
-            <a:spLocks noGrp="1"/>
-          </p:cNvSpPr>
-          <p:nvPr>
-            <p:ph type="dt" sz="half" idx="10"/>
-          </p:nvPr>
-        </p:nvSpPr>
-        <p:spPr/>
-        <p:txBody>
-          <a:bodyPr/>
-          <a:lstStyle>
-            <a:lvl1pPr>
-              <a:defRPr/>
-            </a:lvl1pPr>
-          </a:lstStyle>
-          <a:p>
-            <a:fld id="{12262E2C-A2CC-494A-8C3F-53906177508A}" type="datetimeFigureOut">
-              <a:rPr lang="zh-CN" altLang="en-US" smtClean="0"/>
-              <a:t>2019/8/25</a:t>
-            </a:fld>
-            <a:endParaRPr lang="zh-CN" altLang="en-US"/>
-          </a:p>
-        </p:txBody>
-      </p:sp>
-      <p:sp>
-        <p:nvSpPr>
-          <p:cNvPr id="6" name="页脚占位符 4"/>
-          <p:cNvSpPr>
-            <a:spLocks noGrp="1"/>
-          </p:cNvSpPr>
-          <p:nvPr>
-            <p:ph type="ftr" sz="quarter" idx="11"/>
-          </p:nvPr>
-        </p:nvSpPr>
-        <p:spPr/>
-        <p:txBody>
-          <a:bodyPr/>
-          <a:lstStyle>
-            <a:lvl1pPr>
-              <a:defRPr/>
-            </a:lvl1pPr>
-          </a:lstStyle>
-          <a:p>
-            <a:endParaRPr lang="zh-CN" altLang="en-US"/>
-          </a:p>
-        </p:txBody>
-      </p:sp>
-      <p:sp>
-        <p:nvSpPr>
-          <p:cNvPr id="7" name="灯片编号占位符 5"/>
-          <p:cNvSpPr>
-            <a:spLocks noGrp="1"/>
-          </p:cNvSpPr>
-          <p:nvPr>
-            <p:ph type="sldNum" sz="quarter" idx="12"/>
-          </p:nvPr>
-        </p:nvSpPr>
-        <p:spPr/>
-        <p:txBody>
-          <a:bodyPr/>
-          <a:lstStyle>
-            <a:lvl1pPr>
-              <a:defRPr/>
-            </a:lvl1pPr>
-          </a:lstStyle>
-          <a:p>
-            <a:fld id="{464D194B-6111-4B23-8170-AE884B01C72C}" type="slidenum">
-              <a:rPr lang="zh-CN" altLang="en-US" smtClean="0"/>
-              <a:t>‹#›</a:t>
-            </a:fld>
-            <a:endParaRPr lang="zh-CN" altLang="en-US"/>
-          </a:p>
-        </p:txBody>
-      </p:sp>
-    </p:spTree>
-    <p:extLst>
-      <p:ext uri="{BB962C8B-B14F-4D97-AF65-F5344CB8AC3E}">
-        <p14:creationId xmlns:p14="http://schemas.microsoft.com/office/powerpoint/2010/main" val="1254491764"/>
-      </p:ext>
-    </p:extLst>
-  </p:cSld>
-  <p:clrMapOvr>
-    <a:masterClrMapping/>
-  </p:clrMapOvr>
-  <mc:AlternateContent xmlns:mc="http://schemas.openxmlformats.org/markup-compatibility/2006" xmlns:p14="http://schemas.microsoft.com/office/powerpoint/2010/main">
-    <mc:Choice Requires="p14">
-      <p:transition p14:dur="10" advTm="0"/>
-    </mc:Choice>
-    <mc:Fallback xmlns="">
-      <p:transition advTm="0"/>
-    </mc:Fallback>
-  </mc:AlternateContent>
-</p:sldLayout>
-</file>
-
-<file path=ppt/slideLayouts/slideLayout16.xml><?xml version="1.0" encoding="utf-8"?>
-<p:sldLayout xmlns:a="http://schemas.openxmlformats.org/drawingml/2006/main" xmlns:r="http://schemas.openxmlformats.org/officeDocument/2006/relationships" xmlns:p="http://schemas.openxmlformats.org/presentationml/2006/main" type="twoTxTwoObj" preserve="1">
-  <p:cSld name="比较">
-    <p:spTree>
-      <p:nvGrpSpPr>
-        <p:cNvPr id="1" name=""/>
-        <p:cNvGrpSpPr/>
-        <p:nvPr/>
-      </p:nvGrpSpPr>
-      <p:grpSpPr>
-        <a:xfrm>
-          <a:off x="0" y="0"/>
-          <a:ext cx="0" cy="0"/>
-          <a:chOff x="0" y="0"/>
-          <a:chExt cx="0" cy="0"/>
-        </a:xfrm>
-      </p:grpSpPr>
-      <p:sp>
-        <p:nvSpPr>
-          <p:cNvPr id="2" name="标题 1"/>
-          <p:cNvSpPr>
-            <a:spLocks noGrp="1"/>
-          </p:cNvSpPr>
-          <p:nvPr>
-            <p:ph type="title"/>
-          </p:nvPr>
-        </p:nvSpPr>
-        <p:spPr>
-          <a:xfrm>
-            <a:off x="609600" y="274639"/>
-            <a:ext cx="10972800" cy="1143000"/>
-          </a:xfrm>
-        </p:spPr>
-        <p:txBody>
-          <a:bodyPr/>
-          <a:lstStyle>
-            <a:lvl1pPr>
-              <a:defRPr/>
-            </a:lvl1pPr>
-          </a:lstStyle>
-          <a:p>
-            <a:r>
-              <a:rPr lang="zh-CN" altLang="en-US" smtClean="0"/>
-              <a:t>单击此处编辑母版标题样式</a:t>
-            </a:r>
-            <a:endParaRPr lang="zh-CN" altLang="en-US"/>
-          </a:p>
-        </p:txBody>
-      </p:sp>
-      <p:sp>
-        <p:nvSpPr>
-          <p:cNvPr id="3" name="文本占位符 2"/>
-          <p:cNvSpPr>
-            <a:spLocks noGrp="1"/>
-          </p:cNvSpPr>
-          <p:nvPr>
-            <p:ph type="body" idx="1"/>
-          </p:nvPr>
-        </p:nvSpPr>
-        <p:spPr>
-          <a:xfrm>
-            <a:off x="609600" y="1535113"/>
-            <a:ext cx="5386917" cy="639763"/>
-          </a:xfrm>
-        </p:spPr>
-        <p:txBody>
-          <a:bodyPr anchor="b"/>
-          <a:lstStyle>
-            <a:lvl1pPr marL="0" indent="0">
-              <a:buNone/>
-              <a:defRPr sz="3200" b="1"/>
-            </a:lvl1pPr>
-            <a:lvl2pPr marL="609585" indent="0">
-              <a:buNone/>
-              <a:defRPr sz="2667" b="1"/>
-            </a:lvl2pPr>
-            <a:lvl3pPr marL="1219170" indent="0">
-              <a:buNone/>
-              <a:defRPr sz="2400" b="1"/>
-            </a:lvl3pPr>
-            <a:lvl4pPr marL="1828754" indent="0">
-              <a:buNone/>
-              <a:defRPr sz="2133" b="1"/>
-            </a:lvl4pPr>
-            <a:lvl5pPr marL="2438339" indent="0">
-              <a:buNone/>
-              <a:defRPr sz="2133" b="1"/>
-            </a:lvl5pPr>
-            <a:lvl6pPr marL="3047924" indent="0">
-              <a:buNone/>
-              <a:defRPr sz="2133" b="1"/>
-            </a:lvl6pPr>
-            <a:lvl7pPr marL="3657509" indent="0">
-              <a:buNone/>
-              <a:defRPr sz="2133" b="1"/>
-            </a:lvl7pPr>
-            <a:lvl8pPr marL="4267093" indent="0">
-              <a:buNone/>
-              <a:defRPr sz="2133" b="1"/>
-            </a:lvl8pPr>
-            <a:lvl9pPr marL="4876678" indent="0">
-              <a:buNone/>
-              <a:defRPr sz="2133" b="1"/>
-            </a:lvl9pPr>
-          </a:lstStyle>
-          <a:p>
-            <a:pPr lvl="0"/>
-            <a:r>
-              <a:rPr lang="zh-CN" altLang="en-US" smtClean="0"/>
-              <a:t>单击此处编辑母版文本样式</a:t>
-            </a:r>
-          </a:p>
-        </p:txBody>
-      </p:sp>
-      <p:sp>
-        <p:nvSpPr>
-          <p:cNvPr id="4" name="内容占位符 3"/>
-          <p:cNvSpPr>
-            <a:spLocks noGrp="1"/>
-          </p:cNvSpPr>
-          <p:nvPr>
-            <p:ph sz="half" idx="2"/>
-          </p:nvPr>
-        </p:nvSpPr>
-        <p:spPr>
-          <a:xfrm>
-            <a:off x="609600" y="2174875"/>
-            <a:ext cx="5386917" cy="3951288"/>
-          </a:xfrm>
-        </p:spPr>
-        <p:txBody>
-          <a:bodyPr/>
-          <a:lstStyle>
-            <a:lvl1pPr>
-              <a:defRPr sz="3200"/>
-            </a:lvl1pPr>
-            <a:lvl2pPr>
-              <a:defRPr sz="2667"/>
-            </a:lvl2pPr>
-            <a:lvl3pPr>
-              <a:defRPr sz="2400"/>
-            </a:lvl3pPr>
-            <a:lvl4pPr>
-              <a:defRPr sz="2133"/>
-            </a:lvl4pPr>
-            <a:lvl5pPr>
-              <a:defRPr sz="2133"/>
-            </a:lvl5pPr>
-            <a:lvl6pPr>
-              <a:defRPr sz="2133"/>
-            </a:lvl6pPr>
-            <a:lvl7pPr>
-              <a:defRPr sz="2133"/>
-            </a:lvl7pPr>
-            <a:lvl8pPr>
-              <a:defRPr sz="2133"/>
-            </a:lvl8pPr>
-            <a:lvl9pPr>
-              <a:defRPr sz="2133"/>
-            </a:lvl9pPr>
-          </a:lstStyle>
-          <a:p>
-            <a:pPr lvl="0"/>
-            <a:r>
-              <a:rPr lang="zh-CN" altLang="en-US" smtClean="0"/>
-              <a:t>单击此处编辑母版文本样式</a:t>
-            </a:r>
-          </a:p>
-          <a:p>
-            <a:pPr lvl="1"/>
-            <a:r>
-              <a:rPr lang="zh-CN" altLang="en-US" smtClean="0"/>
-              <a:t>第二级</a:t>
-            </a:r>
-          </a:p>
-          <a:p>
-            <a:pPr lvl="2"/>
-            <a:r>
-              <a:rPr lang="zh-CN" altLang="en-US" smtClean="0"/>
-              <a:t>第三级</a:t>
-            </a:r>
-          </a:p>
-          <a:p>
-            <a:pPr lvl="3"/>
-            <a:r>
-              <a:rPr lang="zh-CN" altLang="en-US" smtClean="0"/>
-              <a:t>第四级</a:t>
-            </a:r>
-          </a:p>
-          <a:p>
-            <a:pPr lvl="4"/>
-            <a:r>
-              <a:rPr lang="zh-CN" altLang="en-US" smtClean="0"/>
-              <a:t>第五级</a:t>
-            </a:r>
-            <a:endParaRPr lang="zh-CN" altLang="en-US"/>
-          </a:p>
-        </p:txBody>
-      </p:sp>
-      <p:sp>
-        <p:nvSpPr>
-          <p:cNvPr id="5" name="文本占位符 4"/>
-          <p:cNvSpPr>
-            <a:spLocks noGrp="1"/>
-          </p:cNvSpPr>
-          <p:nvPr>
-            <p:ph type="body" sz="quarter" idx="3"/>
-          </p:nvPr>
-        </p:nvSpPr>
-        <p:spPr>
-          <a:xfrm>
-            <a:off x="6193369" y="1535113"/>
-            <a:ext cx="5389033" cy="639763"/>
-          </a:xfrm>
-        </p:spPr>
-        <p:txBody>
-          <a:bodyPr anchor="b"/>
-          <a:lstStyle>
-            <a:lvl1pPr marL="0" indent="0">
-              <a:buNone/>
-              <a:defRPr sz="3200" b="1"/>
-            </a:lvl1pPr>
-            <a:lvl2pPr marL="609585" indent="0">
-              <a:buNone/>
-              <a:defRPr sz="2667" b="1"/>
-            </a:lvl2pPr>
-            <a:lvl3pPr marL="1219170" indent="0">
-              <a:buNone/>
-              <a:defRPr sz="2400" b="1"/>
-            </a:lvl3pPr>
-            <a:lvl4pPr marL="1828754" indent="0">
-              <a:buNone/>
-              <a:defRPr sz="2133" b="1"/>
-            </a:lvl4pPr>
-            <a:lvl5pPr marL="2438339" indent="0">
-              <a:buNone/>
-              <a:defRPr sz="2133" b="1"/>
-            </a:lvl5pPr>
-            <a:lvl6pPr marL="3047924" indent="0">
-              <a:buNone/>
-              <a:defRPr sz="2133" b="1"/>
-            </a:lvl6pPr>
-            <a:lvl7pPr marL="3657509" indent="0">
-              <a:buNone/>
-              <a:defRPr sz="2133" b="1"/>
-            </a:lvl7pPr>
-            <a:lvl8pPr marL="4267093" indent="0">
-              <a:buNone/>
-              <a:defRPr sz="2133" b="1"/>
-            </a:lvl8pPr>
-            <a:lvl9pPr marL="4876678" indent="0">
-              <a:buNone/>
-              <a:defRPr sz="2133" b="1"/>
-            </a:lvl9pPr>
-          </a:lstStyle>
-          <a:p>
-            <a:pPr lvl="0"/>
-            <a:r>
-              <a:rPr lang="zh-CN" altLang="en-US" smtClean="0"/>
-              <a:t>单击此处编辑母版文本样式</a:t>
-            </a:r>
-          </a:p>
-        </p:txBody>
-      </p:sp>
-      <p:sp>
-        <p:nvSpPr>
-          <p:cNvPr id="6" name="内容占位符 5"/>
-          <p:cNvSpPr>
-            <a:spLocks noGrp="1"/>
-          </p:cNvSpPr>
-          <p:nvPr>
-            <p:ph sz="quarter" idx="4"/>
-          </p:nvPr>
-        </p:nvSpPr>
-        <p:spPr>
-          <a:xfrm>
-            <a:off x="6193369" y="2174875"/>
-            <a:ext cx="5389033" cy="3951288"/>
-          </a:xfrm>
-        </p:spPr>
-        <p:txBody>
-          <a:bodyPr/>
-          <a:lstStyle>
-            <a:lvl1pPr>
-              <a:defRPr sz="3200"/>
-            </a:lvl1pPr>
-            <a:lvl2pPr>
-              <a:defRPr sz="2667"/>
-            </a:lvl2pPr>
-            <a:lvl3pPr>
-              <a:defRPr sz="2400"/>
-            </a:lvl3pPr>
-            <a:lvl4pPr>
-              <a:defRPr sz="2133"/>
-            </a:lvl4pPr>
-            <a:lvl5pPr>
-              <a:defRPr sz="2133"/>
-            </a:lvl5pPr>
-            <a:lvl6pPr>
-              <a:defRPr sz="2133"/>
-            </a:lvl6pPr>
-            <a:lvl7pPr>
-              <a:defRPr sz="2133"/>
-            </a:lvl7pPr>
-            <a:lvl8pPr>
-              <a:defRPr sz="2133"/>
-            </a:lvl8pPr>
-            <a:lvl9pPr>
-              <a:defRPr sz="2133"/>
-            </a:lvl9pPr>
-          </a:lstStyle>
-          <a:p>
-            <a:pPr lvl="0"/>
-            <a:r>
-              <a:rPr lang="zh-CN" altLang="en-US" smtClean="0"/>
-              <a:t>单击此处编辑母版文本样式</a:t>
-            </a:r>
-          </a:p>
-          <a:p>
-            <a:pPr lvl="1"/>
-            <a:r>
-              <a:rPr lang="zh-CN" altLang="en-US" smtClean="0"/>
-              <a:t>第二级</a:t>
-            </a:r>
-          </a:p>
-          <a:p>
-            <a:pPr lvl="2"/>
-            <a:r>
-              <a:rPr lang="zh-CN" altLang="en-US" smtClean="0"/>
-              <a:t>第三级</a:t>
-            </a:r>
-          </a:p>
-          <a:p>
-            <a:pPr lvl="3"/>
-            <a:r>
-              <a:rPr lang="zh-CN" altLang="en-US" smtClean="0"/>
-              <a:t>第四级</a:t>
-            </a:r>
-          </a:p>
-          <a:p>
-            <a:pPr lvl="4"/>
-            <a:r>
-              <a:rPr lang="zh-CN" altLang="en-US" smtClean="0"/>
-              <a:t>第五级</a:t>
-            </a:r>
-            <a:endParaRPr lang="zh-CN" altLang="en-US"/>
-          </a:p>
-        </p:txBody>
-      </p:sp>
-      <p:sp>
-        <p:nvSpPr>
-          <p:cNvPr id="7" name="日期占位符 3"/>
-          <p:cNvSpPr>
-            <a:spLocks noGrp="1"/>
-          </p:cNvSpPr>
-          <p:nvPr>
-            <p:ph type="dt" sz="half" idx="10"/>
-          </p:nvPr>
-        </p:nvSpPr>
-        <p:spPr/>
-        <p:txBody>
-          <a:bodyPr/>
-          <a:lstStyle>
-            <a:lvl1pPr>
-              <a:defRPr/>
-            </a:lvl1pPr>
-          </a:lstStyle>
-          <a:p>
-            <a:fld id="{12262E2C-A2CC-494A-8C3F-53906177508A}" type="datetimeFigureOut">
-              <a:rPr lang="zh-CN" altLang="en-US" smtClean="0"/>
-              <a:t>2019/8/25</a:t>
-            </a:fld>
-            <a:endParaRPr lang="zh-CN" altLang="en-US"/>
-          </a:p>
-        </p:txBody>
-      </p:sp>
-      <p:sp>
-        <p:nvSpPr>
-          <p:cNvPr id="8" name="页脚占位符 4"/>
-          <p:cNvSpPr>
-            <a:spLocks noGrp="1"/>
-          </p:cNvSpPr>
-          <p:nvPr>
-            <p:ph type="ftr" sz="quarter" idx="11"/>
-          </p:nvPr>
-        </p:nvSpPr>
-        <p:spPr/>
-        <p:txBody>
-          <a:bodyPr/>
-          <a:lstStyle>
-            <a:lvl1pPr>
-              <a:defRPr/>
-            </a:lvl1pPr>
-          </a:lstStyle>
-          <a:p>
-            <a:endParaRPr lang="zh-CN" altLang="en-US"/>
-          </a:p>
-        </p:txBody>
-      </p:sp>
-      <p:sp>
-        <p:nvSpPr>
-          <p:cNvPr id="9" name="灯片编号占位符 5"/>
-          <p:cNvSpPr>
-            <a:spLocks noGrp="1"/>
-          </p:cNvSpPr>
-          <p:nvPr>
-            <p:ph type="sldNum" sz="quarter" idx="12"/>
-          </p:nvPr>
-        </p:nvSpPr>
-        <p:spPr/>
-        <p:txBody>
-          <a:bodyPr/>
-          <a:lstStyle>
-            <a:lvl1pPr>
-              <a:defRPr/>
-            </a:lvl1pPr>
-          </a:lstStyle>
-          <a:p>
-            <a:fld id="{464D194B-6111-4B23-8170-AE884B01C72C}" type="slidenum">
-              <a:rPr lang="zh-CN" altLang="en-US" smtClean="0"/>
-              <a:t>‹#›</a:t>
-            </a:fld>
-            <a:endParaRPr lang="zh-CN" altLang="en-US"/>
-          </a:p>
-        </p:txBody>
-      </p:sp>
-    </p:spTree>
-    <p:extLst>
-      <p:ext uri="{BB962C8B-B14F-4D97-AF65-F5344CB8AC3E}">
-        <p14:creationId xmlns:p14="http://schemas.microsoft.com/office/powerpoint/2010/main" val="1883338101"/>
-      </p:ext>
-    </p:extLst>
-  </p:cSld>
-  <p:clrMapOvr>
-    <a:masterClrMapping/>
-  </p:clrMapOvr>
-  <mc:AlternateContent xmlns:mc="http://schemas.openxmlformats.org/markup-compatibility/2006" xmlns:p14="http://schemas.microsoft.com/office/powerpoint/2010/main">
-    <mc:Choice Requires="p14">
-      <p:transition p14:dur="10" advTm="0"/>
-    </mc:Choice>
-    <mc:Fallback xmlns="">
-      <p:transition advTm="0"/>
-    </mc:Fallback>
-  </mc:AlternateContent>
-</p:sldLayout>
-</file>
-
-<file path=ppt/slideLayouts/slideLayout17.xml><?xml version="1.0" encoding="utf-8"?>
-<p:sldLayout xmlns:a="http://schemas.openxmlformats.org/drawingml/2006/main" xmlns:r="http://schemas.openxmlformats.org/officeDocument/2006/relationships" xmlns:p="http://schemas.openxmlformats.org/presentationml/2006/main" type="titleOnly" preserve="1">
-  <p:cSld name="仅标题">
-    <p:spTree>
-      <p:nvGrpSpPr>
-        <p:cNvPr id="1" name=""/>
-        <p:cNvGrpSpPr/>
-        <p:nvPr/>
-      </p:nvGrpSpPr>
-      <p:grpSpPr>
-        <a:xfrm>
-          <a:off x="0" y="0"/>
-          <a:ext cx="0" cy="0"/>
-          <a:chOff x="0" y="0"/>
-          <a:chExt cx="0" cy="0"/>
-        </a:xfrm>
-      </p:grpSpPr>
-      <p:sp>
-        <p:nvSpPr>
-          <p:cNvPr id="2" name="标题 1"/>
-          <p:cNvSpPr>
-            <a:spLocks noGrp="1"/>
-          </p:cNvSpPr>
-          <p:nvPr>
-            <p:ph type="title"/>
-          </p:nvPr>
-        </p:nvSpPr>
-        <p:spPr/>
-        <p:txBody>
-          <a:bodyPr/>
-          <a:lstStyle/>
-          <a:p>
-            <a:r>
-              <a:rPr lang="zh-CN" altLang="en-US" smtClean="0"/>
-              <a:t>单击此处编辑母版标题样式</a:t>
-            </a:r>
-            <a:endParaRPr lang="zh-CN" altLang="en-US"/>
-          </a:p>
-        </p:txBody>
-      </p:sp>
-      <p:sp>
-        <p:nvSpPr>
-          <p:cNvPr id="3" name="日期占位符 3"/>
-          <p:cNvSpPr>
-            <a:spLocks noGrp="1"/>
-          </p:cNvSpPr>
-          <p:nvPr>
-            <p:ph type="dt" sz="half" idx="10"/>
-          </p:nvPr>
-        </p:nvSpPr>
-        <p:spPr/>
-        <p:txBody>
-          <a:bodyPr/>
-          <a:lstStyle>
-            <a:lvl1pPr>
-              <a:defRPr/>
-            </a:lvl1pPr>
-          </a:lstStyle>
-          <a:p>
-            <a:fld id="{12262E2C-A2CC-494A-8C3F-53906177508A}" type="datetimeFigureOut">
-              <a:rPr lang="zh-CN" altLang="en-US" smtClean="0"/>
-              <a:t>2019/8/25</a:t>
-            </a:fld>
-            <a:endParaRPr lang="zh-CN" altLang="en-US"/>
-          </a:p>
-        </p:txBody>
-      </p:sp>
-      <p:sp>
-        <p:nvSpPr>
-          <p:cNvPr id="4" name="页脚占位符 4"/>
-          <p:cNvSpPr>
-            <a:spLocks noGrp="1"/>
-          </p:cNvSpPr>
-          <p:nvPr>
-            <p:ph type="ftr" sz="quarter" idx="11"/>
-          </p:nvPr>
-        </p:nvSpPr>
-        <p:spPr/>
-        <p:txBody>
-          <a:bodyPr/>
-          <a:lstStyle>
-            <a:lvl1pPr>
-              <a:defRPr/>
-            </a:lvl1pPr>
-          </a:lstStyle>
-          <a:p>
-            <a:endParaRPr lang="zh-CN" altLang="en-US"/>
-          </a:p>
-        </p:txBody>
-      </p:sp>
-      <p:sp>
-        <p:nvSpPr>
-          <p:cNvPr id="5" name="灯片编号占位符 5"/>
-          <p:cNvSpPr>
-            <a:spLocks noGrp="1"/>
-          </p:cNvSpPr>
-          <p:nvPr>
-            <p:ph type="sldNum" sz="quarter" idx="12"/>
-          </p:nvPr>
-        </p:nvSpPr>
-        <p:spPr/>
-        <p:txBody>
-          <a:bodyPr/>
-          <a:lstStyle>
-            <a:lvl1pPr>
-              <a:defRPr/>
-            </a:lvl1pPr>
-          </a:lstStyle>
-          <a:p>
-            <a:fld id="{464D194B-6111-4B23-8170-AE884B01C72C}" type="slidenum">
-              <a:rPr lang="zh-CN" altLang="en-US" smtClean="0"/>
-              <a:t>‹#›</a:t>
-            </a:fld>
-            <a:endParaRPr lang="zh-CN" altLang="en-US"/>
-          </a:p>
-        </p:txBody>
-      </p:sp>
-    </p:spTree>
-    <p:extLst>
-      <p:ext uri="{BB962C8B-B14F-4D97-AF65-F5344CB8AC3E}">
-        <p14:creationId xmlns:p14="http://schemas.microsoft.com/office/powerpoint/2010/main" val="3866478488"/>
-      </p:ext>
-    </p:extLst>
-  </p:cSld>
-  <p:clrMapOvr>
-    <a:masterClrMapping/>
-  </p:clrMapOvr>
-  <mc:AlternateContent xmlns:mc="http://schemas.openxmlformats.org/markup-compatibility/2006" xmlns:p14="http://schemas.microsoft.com/office/powerpoint/2010/main">
-    <mc:Choice Requires="p14">
-      <p:transition p14:dur="10" advTm="0"/>
-    </mc:Choice>
-    <mc:Fallback xmlns="">
-      <p:transition advTm="0"/>
-    </mc:Fallback>
-  </mc:AlternateContent>
-</p:sldLayout>
-</file>
-
-<file path=ppt/slideLayouts/slideLayout18.xml><?xml version="1.0" encoding="utf-8"?>
-<p:sldLayout xmlns:a="http://schemas.openxmlformats.org/drawingml/2006/main" xmlns:r="http://schemas.openxmlformats.org/officeDocument/2006/relationships" xmlns:p="http://schemas.openxmlformats.org/presentationml/2006/main" type="blank" preserve="1">
-  <p:cSld name="空白">
-    <p:spTree>
-      <p:nvGrpSpPr>
-        <p:cNvPr id="1" name=""/>
-        <p:cNvGrpSpPr/>
-        <p:nvPr/>
-      </p:nvGrpSpPr>
-      <p:grpSpPr>
-        <a:xfrm>
-          <a:off x="0" y="0"/>
-          <a:ext cx="0" cy="0"/>
-          <a:chOff x="0" y="0"/>
-          <a:chExt cx="0" cy="0"/>
-        </a:xfrm>
-      </p:grpSpPr>
-      <p:sp>
-        <p:nvSpPr>
-          <p:cNvPr id="2" name="日期占位符 3"/>
-          <p:cNvSpPr>
-            <a:spLocks noGrp="1"/>
-          </p:cNvSpPr>
-          <p:nvPr>
-            <p:ph type="dt" sz="half" idx="10"/>
-          </p:nvPr>
-        </p:nvSpPr>
-        <p:spPr/>
-        <p:txBody>
-          <a:bodyPr/>
-          <a:lstStyle>
-            <a:lvl1pPr>
-              <a:defRPr/>
-            </a:lvl1pPr>
-          </a:lstStyle>
-          <a:p>
-            <a:fld id="{12262E2C-A2CC-494A-8C3F-53906177508A}" type="datetimeFigureOut">
-              <a:rPr lang="zh-CN" altLang="en-US" smtClean="0"/>
-              <a:t>2019/8/25</a:t>
-            </a:fld>
-            <a:endParaRPr lang="zh-CN" altLang="en-US"/>
-          </a:p>
-        </p:txBody>
-      </p:sp>
-      <p:sp>
-        <p:nvSpPr>
-          <p:cNvPr id="3" name="页脚占位符 4"/>
-          <p:cNvSpPr>
-            <a:spLocks noGrp="1"/>
-          </p:cNvSpPr>
-          <p:nvPr>
-            <p:ph type="ftr" sz="quarter" idx="11"/>
-          </p:nvPr>
-        </p:nvSpPr>
-        <p:spPr/>
-        <p:txBody>
-          <a:bodyPr/>
-          <a:lstStyle>
-            <a:lvl1pPr>
-              <a:defRPr/>
-            </a:lvl1pPr>
-          </a:lstStyle>
-          <a:p>
-            <a:endParaRPr lang="zh-CN" altLang="en-US"/>
-          </a:p>
-        </p:txBody>
-      </p:sp>
-      <p:sp>
-        <p:nvSpPr>
-          <p:cNvPr id="4" name="灯片编号占位符 5"/>
-          <p:cNvSpPr>
-            <a:spLocks noGrp="1"/>
-          </p:cNvSpPr>
-          <p:nvPr>
-            <p:ph type="sldNum" sz="quarter" idx="12"/>
-          </p:nvPr>
-        </p:nvSpPr>
-        <p:spPr/>
-        <p:txBody>
-          <a:bodyPr/>
-          <a:lstStyle>
-            <a:lvl1pPr>
-              <a:defRPr/>
-            </a:lvl1pPr>
-          </a:lstStyle>
-          <a:p>
-            <a:fld id="{464D194B-6111-4B23-8170-AE884B01C72C}" type="slidenum">
-              <a:rPr lang="zh-CN" altLang="en-US" smtClean="0"/>
-              <a:t>‹#›</a:t>
-            </a:fld>
-            <a:endParaRPr lang="zh-CN" altLang="en-US"/>
-          </a:p>
-        </p:txBody>
-      </p:sp>
-    </p:spTree>
-    <p:extLst>
-      <p:ext uri="{BB962C8B-B14F-4D97-AF65-F5344CB8AC3E}">
-        <p14:creationId xmlns:p14="http://schemas.microsoft.com/office/powerpoint/2010/main" val="438466994"/>
-      </p:ext>
-    </p:extLst>
-  </p:cSld>
-  <p:clrMapOvr>
-    <a:masterClrMapping/>
-  </p:clrMapOvr>
-  <mc:AlternateContent xmlns:mc="http://schemas.openxmlformats.org/markup-compatibility/2006" xmlns:p14="http://schemas.microsoft.com/office/powerpoint/2010/main">
-    <mc:Choice Requires="p14">
-      <p:transition p14:dur="10" advTm="0"/>
-    </mc:Choice>
-    <mc:Fallback xmlns="">
-      <p:transition advTm="0"/>
-    </mc:Fallback>
-  </mc:AlternateContent>
-</p:sldLayout>
-</file>
-
-<file path=ppt/slideLayouts/slideLayout19.xml><?xml version="1.0" encoding="utf-8"?>
-<p:sldLayout xmlns:a="http://schemas.openxmlformats.org/drawingml/2006/main" xmlns:r="http://schemas.openxmlformats.org/officeDocument/2006/relationships" xmlns:p="http://schemas.openxmlformats.org/presentationml/2006/main" type="objTx" preserve="1">
-  <p:cSld name="内容与标题">
-    <p:spTree>
-      <p:nvGrpSpPr>
-        <p:cNvPr id="1" name=""/>
-        <p:cNvGrpSpPr/>
-        <p:nvPr/>
-      </p:nvGrpSpPr>
-      <p:grpSpPr>
-        <a:xfrm>
-          <a:off x="0" y="0"/>
-          <a:ext cx="0" cy="0"/>
-          <a:chOff x="0" y="0"/>
-          <a:chExt cx="0" cy="0"/>
-        </a:xfrm>
-      </p:grpSpPr>
-      <p:sp>
-        <p:nvSpPr>
-          <p:cNvPr id="2" name="标题 1"/>
-          <p:cNvSpPr>
-            <a:spLocks noGrp="1"/>
-          </p:cNvSpPr>
-          <p:nvPr>
-            <p:ph type="title"/>
-          </p:nvPr>
-        </p:nvSpPr>
-        <p:spPr>
-          <a:xfrm>
-            <a:off x="609602" y="273049"/>
-            <a:ext cx="4011084" cy="1162051"/>
-          </a:xfrm>
-        </p:spPr>
-        <p:txBody>
-          <a:bodyPr anchor="b"/>
-          <a:lstStyle>
-            <a:lvl1pPr algn="l">
-              <a:defRPr sz="2667" b="1"/>
-            </a:lvl1pPr>
-          </a:lstStyle>
-          <a:p>
-            <a:r>
-              <a:rPr lang="zh-CN" altLang="en-US" smtClean="0"/>
-              <a:t>单击此处编辑母版标题样式</a:t>
-            </a:r>
-            <a:endParaRPr lang="zh-CN" altLang="en-US"/>
-          </a:p>
-        </p:txBody>
-      </p:sp>
-      <p:sp>
-        <p:nvSpPr>
-          <p:cNvPr id="3" name="内容占位符 2"/>
-          <p:cNvSpPr>
-            <a:spLocks noGrp="1"/>
-          </p:cNvSpPr>
-          <p:nvPr>
-            <p:ph idx="1"/>
-          </p:nvPr>
-        </p:nvSpPr>
-        <p:spPr>
-          <a:xfrm>
-            <a:off x="4766733" y="273052"/>
-            <a:ext cx="6815667" cy="5853113"/>
-          </a:xfrm>
-        </p:spPr>
-        <p:txBody>
-          <a:bodyPr/>
-          <a:lstStyle>
-            <a:lvl1pPr>
-              <a:defRPr sz="4267"/>
-            </a:lvl1pPr>
-            <a:lvl2pPr>
-              <a:defRPr sz="3733"/>
-            </a:lvl2pPr>
-            <a:lvl3pPr>
-              <a:defRPr sz="3200"/>
-            </a:lvl3pPr>
-            <a:lvl4pPr>
-              <a:defRPr sz="2667"/>
-            </a:lvl4pPr>
-            <a:lvl5pPr>
-              <a:defRPr sz="2667"/>
-            </a:lvl5pPr>
-            <a:lvl6pPr>
-              <a:defRPr sz="2667"/>
-            </a:lvl6pPr>
-            <a:lvl7pPr>
-              <a:defRPr sz="2667"/>
-            </a:lvl7pPr>
-            <a:lvl8pPr>
-              <a:defRPr sz="2667"/>
-            </a:lvl8pPr>
-            <a:lvl9pPr>
-              <a:defRPr sz="2667"/>
-            </a:lvl9pPr>
-          </a:lstStyle>
-          <a:p>
-            <a:pPr lvl="0"/>
-            <a:r>
-              <a:rPr lang="zh-CN" altLang="en-US" smtClean="0"/>
-              <a:t>单击此处编辑母版文本样式</a:t>
-            </a:r>
-          </a:p>
-          <a:p>
-            <a:pPr lvl="1"/>
-            <a:r>
-              <a:rPr lang="zh-CN" altLang="en-US" smtClean="0"/>
-              <a:t>第二级</a:t>
-            </a:r>
-          </a:p>
-          <a:p>
-            <a:pPr lvl="2"/>
-            <a:r>
-              <a:rPr lang="zh-CN" altLang="en-US" smtClean="0"/>
-              <a:t>第三级</a:t>
-            </a:r>
-          </a:p>
-          <a:p>
-            <a:pPr lvl="3"/>
-            <a:r>
-              <a:rPr lang="zh-CN" altLang="en-US" smtClean="0"/>
-              <a:t>第四级</a:t>
-            </a:r>
-          </a:p>
-          <a:p>
-            <a:pPr lvl="4"/>
-            <a:r>
-              <a:rPr lang="zh-CN" altLang="en-US" smtClean="0"/>
-              <a:t>第五级</a:t>
-            </a:r>
-            <a:endParaRPr lang="zh-CN" altLang="en-US"/>
-          </a:p>
-        </p:txBody>
-      </p:sp>
-      <p:sp>
-        <p:nvSpPr>
-          <p:cNvPr id="4" name="文本占位符 3"/>
-          <p:cNvSpPr>
-            <a:spLocks noGrp="1"/>
-          </p:cNvSpPr>
-          <p:nvPr>
-            <p:ph type="body" sz="half" idx="2"/>
-          </p:nvPr>
-        </p:nvSpPr>
-        <p:spPr>
-          <a:xfrm>
-            <a:off x="609602" y="1435102"/>
-            <a:ext cx="4011084" cy="4691063"/>
-          </a:xfrm>
-        </p:spPr>
-        <p:txBody>
-          <a:bodyPr/>
-          <a:lstStyle>
-            <a:lvl1pPr marL="0" indent="0">
-              <a:buNone/>
-              <a:defRPr sz="1867"/>
-            </a:lvl1pPr>
-            <a:lvl2pPr marL="609585" indent="0">
-              <a:buNone/>
-              <a:defRPr sz="1600"/>
-            </a:lvl2pPr>
-            <a:lvl3pPr marL="1219170" indent="0">
-              <a:buNone/>
-              <a:defRPr sz="1333"/>
-            </a:lvl3pPr>
-            <a:lvl4pPr marL="1828754" indent="0">
-              <a:buNone/>
-              <a:defRPr sz="1200"/>
-            </a:lvl4pPr>
-            <a:lvl5pPr marL="2438339" indent="0">
-              <a:buNone/>
-              <a:defRPr sz="1200"/>
-            </a:lvl5pPr>
-            <a:lvl6pPr marL="3047924" indent="0">
-              <a:buNone/>
-              <a:defRPr sz="1200"/>
-            </a:lvl6pPr>
-            <a:lvl7pPr marL="3657509" indent="0">
-              <a:buNone/>
-              <a:defRPr sz="1200"/>
-            </a:lvl7pPr>
-            <a:lvl8pPr marL="4267093" indent="0">
-              <a:buNone/>
-              <a:defRPr sz="1200"/>
-            </a:lvl8pPr>
-            <a:lvl9pPr marL="4876678" indent="0">
-              <a:buNone/>
-              <a:defRPr sz="1200"/>
-            </a:lvl9pPr>
-          </a:lstStyle>
-          <a:p>
-            <a:pPr lvl="0"/>
-            <a:r>
-              <a:rPr lang="zh-CN" altLang="en-US" smtClean="0"/>
-              <a:t>单击此处编辑母版文本样式</a:t>
-            </a:r>
-          </a:p>
-        </p:txBody>
-      </p:sp>
-      <p:sp>
-        <p:nvSpPr>
-          <p:cNvPr id="5" name="日期占位符 3"/>
-          <p:cNvSpPr>
-            <a:spLocks noGrp="1"/>
-          </p:cNvSpPr>
-          <p:nvPr>
-            <p:ph type="dt" sz="half" idx="10"/>
-          </p:nvPr>
-        </p:nvSpPr>
-        <p:spPr/>
-        <p:txBody>
-          <a:bodyPr/>
-          <a:lstStyle>
-            <a:lvl1pPr>
-              <a:defRPr/>
-            </a:lvl1pPr>
-          </a:lstStyle>
-          <a:p>
-            <a:fld id="{12262E2C-A2CC-494A-8C3F-53906177508A}" type="datetimeFigureOut">
-              <a:rPr lang="zh-CN" altLang="en-US" smtClean="0"/>
-              <a:t>2019/8/25</a:t>
-            </a:fld>
-            <a:endParaRPr lang="zh-CN" altLang="en-US"/>
-          </a:p>
-        </p:txBody>
-      </p:sp>
-      <p:sp>
-        <p:nvSpPr>
-          <p:cNvPr id="6" name="页脚占位符 4"/>
-          <p:cNvSpPr>
-            <a:spLocks noGrp="1"/>
-          </p:cNvSpPr>
-          <p:nvPr>
-            <p:ph type="ftr" sz="quarter" idx="11"/>
-          </p:nvPr>
-        </p:nvSpPr>
-        <p:spPr/>
-        <p:txBody>
-          <a:bodyPr/>
-          <a:lstStyle>
-            <a:lvl1pPr>
-              <a:defRPr/>
-            </a:lvl1pPr>
-          </a:lstStyle>
-          <a:p>
-            <a:endParaRPr lang="zh-CN" altLang="en-US"/>
-          </a:p>
-        </p:txBody>
-      </p:sp>
-      <p:sp>
-        <p:nvSpPr>
-          <p:cNvPr id="7" name="灯片编号占位符 5"/>
-          <p:cNvSpPr>
-            <a:spLocks noGrp="1"/>
-          </p:cNvSpPr>
-          <p:nvPr>
-            <p:ph type="sldNum" sz="quarter" idx="12"/>
-          </p:nvPr>
-        </p:nvSpPr>
-        <p:spPr/>
-        <p:txBody>
-          <a:bodyPr/>
-          <a:lstStyle>
-            <a:lvl1pPr>
-              <a:defRPr/>
-            </a:lvl1pPr>
-          </a:lstStyle>
-          <a:p>
-            <a:fld id="{464D194B-6111-4B23-8170-AE884B01C72C}" type="slidenum">
-              <a:rPr lang="zh-CN" altLang="en-US" smtClean="0"/>
-              <a:t>‹#›</a:t>
-            </a:fld>
-            <a:endParaRPr lang="zh-CN" altLang="en-US"/>
-          </a:p>
-        </p:txBody>
-      </p:sp>
-    </p:spTree>
-    <p:extLst>
-      <p:ext uri="{BB962C8B-B14F-4D97-AF65-F5344CB8AC3E}">
-        <p14:creationId xmlns:p14="http://schemas.microsoft.com/office/powerpoint/2010/main" val="2563912014"/>
-      </p:ext>
-    </p:extLst>
-  </p:cSld>
-  <p:clrMapOvr>
-    <a:masterClrMapping/>
-  </p:clrMapOvr>
-  <mc:AlternateContent xmlns:mc="http://schemas.openxmlformats.org/markup-compatibility/2006" xmlns:p14="http://schemas.microsoft.com/office/powerpoint/2010/main">
-    <mc:Choice Requires="p14">
-      <p:transition p14:dur="10" advTm="0"/>
-    </mc:Choice>
-    <mc:Fallback xmlns="">
-      <p:transition advTm="0"/>
-    </mc:Fallback>
-  </mc:AlternateContent>
 </p:sldLayout>
 </file>
 
@@ -3104,6 +1050,7 @@
               <a:rPr lang="zh-CN" altLang="en-US" smtClean="0"/>
               <a:t>单击此处编辑母版文本样式</a:t>
             </a:r>
+            <a:endParaRPr lang="zh-CN" altLang="en-US" smtClean="0"/>
           </a:p>
           <a:p>
             <a:pPr lvl="1"/>
@@ -3111,6 +1058,7 @@
               <a:rPr lang="zh-CN" altLang="en-US" smtClean="0"/>
               <a:t>第二级</a:t>
             </a:r>
+            <a:endParaRPr lang="zh-CN" altLang="en-US" smtClean="0"/>
           </a:p>
           <a:p>
             <a:pPr lvl="2"/>
@@ -3118,6 +1066,7 @@
               <a:rPr lang="zh-CN" altLang="en-US" smtClean="0"/>
               <a:t>第三级</a:t>
             </a:r>
+            <a:endParaRPr lang="zh-CN" altLang="en-US" smtClean="0"/>
           </a:p>
           <a:p>
             <a:pPr lvl="3"/>
@@ -3125,6 +1074,7 @@
               <a:rPr lang="zh-CN" altLang="en-US" smtClean="0"/>
               <a:t>第四级</a:t>
             </a:r>
+            <a:endParaRPr lang="zh-CN" altLang="en-US" smtClean="0"/>
           </a:p>
           <a:p>
             <a:pPr lvl="4"/>
@@ -3153,7 +1103,6 @@
           <a:p>
             <a:fld id="{12262E2C-A2CC-494A-8C3F-53906177508A}" type="datetimeFigureOut">
               <a:rPr lang="zh-CN" altLang="en-US" smtClean="0"/>
-              <a:t>2019/8/25</a:t>
             </a:fld>
             <a:endParaRPr lang="zh-CN" altLang="en-US"/>
           </a:p>
@@ -3195,692 +1144,16 @@
           <a:p>
             <a:fld id="{464D194B-6111-4B23-8170-AE884B01C72C}" type="slidenum">
               <a:rPr lang="zh-CN" altLang="en-US" smtClean="0"/>
-              <a:t>‹#›</a:t>
             </a:fld>
             <a:endParaRPr lang="zh-CN" altLang="en-US"/>
           </a:p>
         </p:txBody>
       </p:sp>
     </p:spTree>
-    <p:extLst>
-      <p:ext uri="{BB962C8B-B14F-4D97-AF65-F5344CB8AC3E}">
-        <p14:creationId xmlns:p14="http://schemas.microsoft.com/office/powerpoint/2010/main" val="843747662"/>
-      </p:ext>
-    </p:extLst>
   </p:cSld>
   <p:clrMapOvr>
     <a:masterClrMapping/>
   </p:clrMapOvr>
-</p:sldLayout>
-</file>
-
-<file path=ppt/slideLayouts/slideLayout20.xml><?xml version="1.0" encoding="utf-8"?>
-<p:sldLayout xmlns:a="http://schemas.openxmlformats.org/drawingml/2006/main" xmlns:r="http://schemas.openxmlformats.org/officeDocument/2006/relationships" xmlns:p="http://schemas.openxmlformats.org/presentationml/2006/main" type="picTx" preserve="1">
-  <p:cSld name="图片与标题">
-    <p:spTree>
-      <p:nvGrpSpPr>
-        <p:cNvPr id="1" name=""/>
-        <p:cNvGrpSpPr/>
-        <p:nvPr/>
-      </p:nvGrpSpPr>
-      <p:grpSpPr>
-        <a:xfrm>
-          <a:off x="0" y="0"/>
-          <a:ext cx="0" cy="0"/>
-          <a:chOff x="0" y="0"/>
-          <a:chExt cx="0" cy="0"/>
-        </a:xfrm>
-      </p:grpSpPr>
-      <p:sp>
-        <p:nvSpPr>
-          <p:cNvPr id="2" name="标题 1"/>
-          <p:cNvSpPr>
-            <a:spLocks noGrp="1"/>
-          </p:cNvSpPr>
-          <p:nvPr>
-            <p:ph type="title"/>
-          </p:nvPr>
-        </p:nvSpPr>
-        <p:spPr>
-          <a:xfrm>
-            <a:off x="2389717" y="4800600"/>
-            <a:ext cx="7315200" cy="566739"/>
-          </a:xfrm>
-        </p:spPr>
-        <p:txBody>
-          <a:bodyPr anchor="b"/>
-          <a:lstStyle>
-            <a:lvl1pPr algn="l">
-              <a:defRPr sz="2667" b="1"/>
-            </a:lvl1pPr>
-          </a:lstStyle>
-          <a:p>
-            <a:r>
-              <a:rPr lang="zh-CN" altLang="en-US" smtClean="0"/>
-              <a:t>单击此处编辑母版标题样式</a:t>
-            </a:r>
-            <a:endParaRPr lang="zh-CN" altLang="en-US"/>
-          </a:p>
-        </p:txBody>
-      </p:sp>
-      <p:sp>
-        <p:nvSpPr>
-          <p:cNvPr id="3" name="图片占位符 2"/>
-          <p:cNvSpPr>
-            <a:spLocks noGrp="1"/>
-          </p:cNvSpPr>
-          <p:nvPr>
-            <p:ph type="pic" idx="1"/>
-          </p:nvPr>
-        </p:nvSpPr>
-        <p:spPr>
-          <a:xfrm>
-            <a:off x="2389717" y="612775"/>
-            <a:ext cx="7315200" cy="4114800"/>
-          </a:xfrm>
-        </p:spPr>
-        <p:txBody>
-          <a:bodyPr rtlCol="0">
-            <a:normAutofit/>
-          </a:bodyPr>
-          <a:lstStyle>
-            <a:lvl1pPr marL="0" indent="0">
-              <a:buNone/>
-              <a:defRPr sz="4267"/>
-            </a:lvl1pPr>
-            <a:lvl2pPr marL="609585" indent="0">
-              <a:buNone/>
-              <a:defRPr sz="3733"/>
-            </a:lvl2pPr>
-            <a:lvl3pPr marL="1219170" indent="0">
-              <a:buNone/>
-              <a:defRPr sz="3200"/>
-            </a:lvl3pPr>
-            <a:lvl4pPr marL="1828754" indent="0">
-              <a:buNone/>
-              <a:defRPr sz="2667"/>
-            </a:lvl4pPr>
-            <a:lvl5pPr marL="2438339" indent="0">
-              <a:buNone/>
-              <a:defRPr sz="2667"/>
-            </a:lvl5pPr>
-            <a:lvl6pPr marL="3047924" indent="0">
-              <a:buNone/>
-              <a:defRPr sz="2667"/>
-            </a:lvl6pPr>
-            <a:lvl7pPr marL="3657509" indent="0">
-              <a:buNone/>
-              <a:defRPr sz="2667"/>
-            </a:lvl7pPr>
-            <a:lvl8pPr marL="4267093" indent="0">
-              <a:buNone/>
-              <a:defRPr sz="2667"/>
-            </a:lvl8pPr>
-            <a:lvl9pPr marL="4876678" indent="0">
-              <a:buNone/>
-              <a:defRPr sz="2667"/>
-            </a:lvl9pPr>
-          </a:lstStyle>
-          <a:p>
-            <a:pPr lvl="0"/>
-            <a:r>
-              <a:rPr lang="zh-CN" altLang="en-US" noProof="0" smtClean="0"/>
-              <a:t>单击图标添加图片</a:t>
-            </a:r>
-            <a:endParaRPr lang="zh-CN" altLang="en-US" noProof="0"/>
-          </a:p>
-        </p:txBody>
-      </p:sp>
-      <p:sp>
-        <p:nvSpPr>
-          <p:cNvPr id="4" name="文本占位符 3"/>
-          <p:cNvSpPr>
-            <a:spLocks noGrp="1"/>
-          </p:cNvSpPr>
-          <p:nvPr>
-            <p:ph type="body" sz="half" idx="2"/>
-          </p:nvPr>
-        </p:nvSpPr>
-        <p:spPr>
-          <a:xfrm>
-            <a:off x="2389717" y="5367338"/>
-            <a:ext cx="7315200" cy="804863"/>
-          </a:xfrm>
-        </p:spPr>
-        <p:txBody>
-          <a:bodyPr/>
-          <a:lstStyle>
-            <a:lvl1pPr marL="0" indent="0">
-              <a:buNone/>
-              <a:defRPr sz="1867"/>
-            </a:lvl1pPr>
-            <a:lvl2pPr marL="609585" indent="0">
-              <a:buNone/>
-              <a:defRPr sz="1600"/>
-            </a:lvl2pPr>
-            <a:lvl3pPr marL="1219170" indent="0">
-              <a:buNone/>
-              <a:defRPr sz="1333"/>
-            </a:lvl3pPr>
-            <a:lvl4pPr marL="1828754" indent="0">
-              <a:buNone/>
-              <a:defRPr sz="1200"/>
-            </a:lvl4pPr>
-            <a:lvl5pPr marL="2438339" indent="0">
-              <a:buNone/>
-              <a:defRPr sz="1200"/>
-            </a:lvl5pPr>
-            <a:lvl6pPr marL="3047924" indent="0">
-              <a:buNone/>
-              <a:defRPr sz="1200"/>
-            </a:lvl6pPr>
-            <a:lvl7pPr marL="3657509" indent="0">
-              <a:buNone/>
-              <a:defRPr sz="1200"/>
-            </a:lvl7pPr>
-            <a:lvl8pPr marL="4267093" indent="0">
-              <a:buNone/>
-              <a:defRPr sz="1200"/>
-            </a:lvl8pPr>
-            <a:lvl9pPr marL="4876678" indent="0">
-              <a:buNone/>
-              <a:defRPr sz="1200"/>
-            </a:lvl9pPr>
-          </a:lstStyle>
-          <a:p>
-            <a:pPr lvl="0"/>
-            <a:r>
-              <a:rPr lang="zh-CN" altLang="en-US" smtClean="0"/>
-              <a:t>单击此处编辑母版文本样式</a:t>
-            </a:r>
-          </a:p>
-        </p:txBody>
-      </p:sp>
-      <p:sp>
-        <p:nvSpPr>
-          <p:cNvPr id="5" name="日期占位符 3"/>
-          <p:cNvSpPr>
-            <a:spLocks noGrp="1"/>
-          </p:cNvSpPr>
-          <p:nvPr>
-            <p:ph type="dt" sz="half" idx="10"/>
-          </p:nvPr>
-        </p:nvSpPr>
-        <p:spPr/>
-        <p:txBody>
-          <a:bodyPr/>
-          <a:lstStyle>
-            <a:lvl1pPr>
-              <a:defRPr/>
-            </a:lvl1pPr>
-          </a:lstStyle>
-          <a:p>
-            <a:fld id="{12262E2C-A2CC-494A-8C3F-53906177508A}" type="datetimeFigureOut">
-              <a:rPr lang="zh-CN" altLang="en-US" smtClean="0"/>
-              <a:t>2019/8/25</a:t>
-            </a:fld>
-            <a:endParaRPr lang="zh-CN" altLang="en-US"/>
-          </a:p>
-        </p:txBody>
-      </p:sp>
-      <p:sp>
-        <p:nvSpPr>
-          <p:cNvPr id="6" name="页脚占位符 4"/>
-          <p:cNvSpPr>
-            <a:spLocks noGrp="1"/>
-          </p:cNvSpPr>
-          <p:nvPr>
-            <p:ph type="ftr" sz="quarter" idx="11"/>
-          </p:nvPr>
-        </p:nvSpPr>
-        <p:spPr/>
-        <p:txBody>
-          <a:bodyPr/>
-          <a:lstStyle>
-            <a:lvl1pPr>
-              <a:defRPr/>
-            </a:lvl1pPr>
-          </a:lstStyle>
-          <a:p>
-            <a:endParaRPr lang="zh-CN" altLang="en-US"/>
-          </a:p>
-        </p:txBody>
-      </p:sp>
-      <p:sp>
-        <p:nvSpPr>
-          <p:cNvPr id="7" name="灯片编号占位符 5"/>
-          <p:cNvSpPr>
-            <a:spLocks noGrp="1"/>
-          </p:cNvSpPr>
-          <p:nvPr>
-            <p:ph type="sldNum" sz="quarter" idx="12"/>
-          </p:nvPr>
-        </p:nvSpPr>
-        <p:spPr/>
-        <p:txBody>
-          <a:bodyPr/>
-          <a:lstStyle>
-            <a:lvl1pPr>
-              <a:defRPr/>
-            </a:lvl1pPr>
-          </a:lstStyle>
-          <a:p>
-            <a:fld id="{464D194B-6111-4B23-8170-AE884B01C72C}" type="slidenum">
-              <a:rPr lang="zh-CN" altLang="en-US" smtClean="0"/>
-              <a:t>‹#›</a:t>
-            </a:fld>
-            <a:endParaRPr lang="zh-CN" altLang="en-US"/>
-          </a:p>
-        </p:txBody>
-      </p:sp>
-    </p:spTree>
-    <p:extLst>
-      <p:ext uri="{BB962C8B-B14F-4D97-AF65-F5344CB8AC3E}">
-        <p14:creationId xmlns:p14="http://schemas.microsoft.com/office/powerpoint/2010/main" val="712568001"/>
-      </p:ext>
-    </p:extLst>
-  </p:cSld>
-  <p:clrMapOvr>
-    <a:masterClrMapping/>
-  </p:clrMapOvr>
-  <mc:AlternateContent xmlns:mc="http://schemas.openxmlformats.org/markup-compatibility/2006" xmlns:p14="http://schemas.microsoft.com/office/powerpoint/2010/main">
-    <mc:Choice Requires="p14">
-      <p:transition p14:dur="10" advTm="0"/>
-    </mc:Choice>
-    <mc:Fallback xmlns="">
-      <p:transition advTm="0"/>
-    </mc:Fallback>
-  </mc:AlternateContent>
-</p:sldLayout>
-</file>
-
-<file path=ppt/slideLayouts/slideLayout21.xml><?xml version="1.0" encoding="utf-8"?>
-<p:sldLayout xmlns:a="http://schemas.openxmlformats.org/drawingml/2006/main" xmlns:r="http://schemas.openxmlformats.org/officeDocument/2006/relationships" xmlns:p="http://schemas.openxmlformats.org/presentationml/2006/main" type="vertTx" preserve="1">
-  <p:cSld name="标题和竖排文字">
-    <p:spTree>
-      <p:nvGrpSpPr>
-        <p:cNvPr id="1" name=""/>
-        <p:cNvGrpSpPr/>
-        <p:nvPr/>
-      </p:nvGrpSpPr>
-      <p:grpSpPr>
-        <a:xfrm>
-          <a:off x="0" y="0"/>
-          <a:ext cx="0" cy="0"/>
-          <a:chOff x="0" y="0"/>
-          <a:chExt cx="0" cy="0"/>
-        </a:xfrm>
-      </p:grpSpPr>
-      <p:sp>
-        <p:nvSpPr>
-          <p:cNvPr id="2" name="标题 1"/>
-          <p:cNvSpPr>
-            <a:spLocks noGrp="1"/>
-          </p:cNvSpPr>
-          <p:nvPr>
-            <p:ph type="title"/>
-          </p:nvPr>
-        </p:nvSpPr>
-        <p:spPr/>
-        <p:txBody>
-          <a:bodyPr/>
-          <a:lstStyle/>
-          <a:p>
-            <a:r>
-              <a:rPr lang="zh-CN" altLang="en-US" smtClean="0"/>
-              <a:t>单击此处编辑母版标题样式</a:t>
-            </a:r>
-            <a:endParaRPr lang="zh-CN" altLang="en-US"/>
-          </a:p>
-        </p:txBody>
-      </p:sp>
-      <p:sp>
-        <p:nvSpPr>
-          <p:cNvPr id="3" name="竖排文字占位符 2"/>
-          <p:cNvSpPr>
-            <a:spLocks noGrp="1"/>
-          </p:cNvSpPr>
-          <p:nvPr>
-            <p:ph type="body" orient="vert" idx="1"/>
-          </p:nvPr>
-        </p:nvSpPr>
-        <p:spPr/>
-        <p:txBody>
-          <a:bodyPr vert="eaVert"/>
-          <a:lstStyle/>
-          <a:p>
-            <a:pPr lvl="0"/>
-            <a:r>
-              <a:rPr lang="zh-CN" altLang="en-US" smtClean="0"/>
-              <a:t>单击此处编辑母版文本样式</a:t>
-            </a:r>
-          </a:p>
-          <a:p>
-            <a:pPr lvl="1"/>
-            <a:r>
-              <a:rPr lang="zh-CN" altLang="en-US" smtClean="0"/>
-              <a:t>第二级</a:t>
-            </a:r>
-          </a:p>
-          <a:p>
-            <a:pPr lvl="2"/>
-            <a:r>
-              <a:rPr lang="zh-CN" altLang="en-US" smtClean="0"/>
-              <a:t>第三级</a:t>
-            </a:r>
-          </a:p>
-          <a:p>
-            <a:pPr lvl="3"/>
-            <a:r>
-              <a:rPr lang="zh-CN" altLang="en-US" smtClean="0"/>
-              <a:t>第四级</a:t>
-            </a:r>
-          </a:p>
-          <a:p>
-            <a:pPr lvl="4"/>
-            <a:r>
-              <a:rPr lang="zh-CN" altLang="en-US" smtClean="0"/>
-              <a:t>第五级</a:t>
-            </a:r>
-            <a:endParaRPr lang="zh-CN" altLang="en-US"/>
-          </a:p>
-        </p:txBody>
-      </p:sp>
-      <p:sp>
-        <p:nvSpPr>
-          <p:cNvPr id="4" name="日期占位符 3"/>
-          <p:cNvSpPr>
-            <a:spLocks noGrp="1"/>
-          </p:cNvSpPr>
-          <p:nvPr>
-            <p:ph type="dt" sz="half" idx="10"/>
-          </p:nvPr>
-        </p:nvSpPr>
-        <p:spPr/>
-        <p:txBody>
-          <a:bodyPr/>
-          <a:lstStyle>
-            <a:lvl1pPr>
-              <a:defRPr/>
-            </a:lvl1pPr>
-          </a:lstStyle>
-          <a:p>
-            <a:fld id="{12262E2C-A2CC-494A-8C3F-53906177508A}" type="datetimeFigureOut">
-              <a:rPr lang="zh-CN" altLang="en-US" smtClean="0"/>
-              <a:t>2019/8/25</a:t>
-            </a:fld>
-            <a:endParaRPr lang="zh-CN" altLang="en-US"/>
-          </a:p>
-        </p:txBody>
-      </p:sp>
-      <p:sp>
-        <p:nvSpPr>
-          <p:cNvPr id="5" name="页脚占位符 4"/>
-          <p:cNvSpPr>
-            <a:spLocks noGrp="1"/>
-          </p:cNvSpPr>
-          <p:nvPr>
-            <p:ph type="ftr" sz="quarter" idx="11"/>
-          </p:nvPr>
-        </p:nvSpPr>
-        <p:spPr/>
-        <p:txBody>
-          <a:bodyPr/>
-          <a:lstStyle>
-            <a:lvl1pPr>
-              <a:defRPr/>
-            </a:lvl1pPr>
-          </a:lstStyle>
-          <a:p>
-            <a:endParaRPr lang="zh-CN" altLang="en-US"/>
-          </a:p>
-        </p:txBody>
-      </p:sp>
-      <p:sp>
-        <p:nvSpPr>
-          <p:cNvPr id="6" name="灯片编号占位符 5"/>
-          <p:cNvSpPr>
-            <a:spLocks noGrp="1"/>
-          </p:cNvSpPr>
-          <p:nvPr>
-            <p:ph type="sldNum" sz="quarter" idx="12"/>
-          </p:nvPr>
-        </p:nvSpPr>
-        <p:spPr/>
-        <p:txBody>
-          <a:bodyPr/>
-          <a:lstStyle>
-            <a:lvl1pPr>
-              <a:defRPr/>
-            </a:lvl1pPr>
-          </a:lstStyle>
-          <a:p>
-            <a:fld id="{464D194B-6111-4B23-8170-AE884B01C72C}" type="slidenum">
-              <a:rPr lang="zh-CN" altLang="en-US" smtClean="0"/>
-              <a:t>‹#›</a:t>
-            </a:fld>
-            <a:endParaRPr lang="zh-CN" altLang="en-US"/>
-          </a:p>
-        </p:txBody>
-      </p:sp>
-    </p:spTree>
-    <p:extLst>
-      <p:ext uri="{BB962C8B-B14F-4D97-AF65-F5344CB8AC3E}">
-        <p14:creationId xmlns:p14="http://schemas.microsoft.com/office/powerpoint/2010/main" val="898456777"/>
-      </p:ext>
-    </p:extLst>
-  </p:cSld>
-  <p:clrMapOvr>
-    <a:masterClrMapping/>
-  </p:clrMapOvr>
-  <mc:AlternateContent xmlns:mc="http://schemas.openxmlformats.org/markup-compatibility/2006" xmlns:p14="http://schemas.microsoft.com/office/powerpoint/2010/main">
-    <mc:Choice Requires="p14">
-      <p:transition p14:dur="10" advTm="0"/>
-    </mc:Choice>
-    <mc:Fallback xmlns="">
-      <p:transition advTm="0"/>
-    </mc:Fallback>
-  </mc:AlternateContent>
-</p:sldLayout>
-</file>
-
-<file path=ppt/slideLayouts/slideLayout22.xml><?xml version="1.0" encoding="utf-8"?>
-<p:sldLayout xmlns:a="http://schemas.openxmlformats.org/drawingml/2006/main" xmlns:r="http://schemas.openxmlformats.org/officeDocument/2006/relationships" xmlns:p="http://schemas.openxmlformats.org/presentationml/2006/main" type="vertTitleAndTx" preserve="1">
-  <p:cSld name="垂直排列标题与文本">
-    <p:spTree>
-      <p:nvGrpSpPr>
-        <p:cNvPr id="1" name=""/>
-        <p:cNvGrpSpPr/>
-        <p:nvPr/>
-      </p:nvGrpSpPr>
-      <p:grpSpPr>
-        <a:xfrm>
-          <a:off x="0" y="0"/>
-          <a:ext cx="0" cy="0"/>
-          <a:chOff x="0" y="0"/>
-          <a:chExt cx="0" cy="0"/>
-        </a:xfrm>
-      </p:grpSpPr>
-      <p:sp>
-        <p:nvSpPr>
-          <p:cNvPr id="2" name="竖排标题 1"/>
-          <p:cNvSpPr>
-            <a:spLocks noGrp="1"/>
-          </p:cNvSpPr>
-          <p:nvPr>
-            <p:ph type="title" orient="vert"/>
-          </p:nvPr>
-        </p:nvSpPr>
-        <p:spPr>
-          <a:xfrm>
-            <a:off x="8839200" y="206375"/>
-            <a:ext cx="2743200" cy="4387851"/>
-          </a:xfrm>
-        </p:spPr>
-        <p:txBody>
-          <a:bodyPr vert="eaVert"/>
-          <a:lstStyle/>
-          <a:p>
-            <a:r>
-              <a:rPr lang="zh-CN" altLang="en-US" smtClean="0"/>
-              <a:t>单击此处编辑母版标题样式</a:t>
-            </a:r>
-            <a:endParaRPr lang="zh-CN" altLang="en-US"/>
-          </a:p>
-        </p:txBody>
-      </p:sp>
-      <p:sp>
-        <p:nvSpPr>
-          <p:cNvPr id="3" name="竖排文字占位符 2"/>
-          <p:cNvSpPr>
-            <a:spLocks noGrp="1"/>
-          </p:cNvSpPr>
-          <p:nvPr>
-            <p:ph type="body" orient="vert" idx="1"/>
-          </p:nvPr>
-        </p:nvSpPr>
-        <p:spPr>
-          <a:xfrm>
-            <a:off x="609600" y="206375"/>
-            <a:ext cx="8026400" cy="4387851"/>
-          </a:xfrm>
-        </p:spPr>
-        <p:txBody>
-          <a:bodyPr vert="eaVert"/>
-          <a:lstStyle/>
-          <a:p>
-            <a:pPr lvl="0"/>
-            <a:r>
-              <a:rPr lang="zh-CN" altLang="en-US" smtClean="0"/>
-              <a:t>单击此处编辑母版文本样式</a:t>
-            </a:r>
-          </a:p>
-          <a:p>
-            <a:pPr lvl="1"/>
-            <a:r>
-              <a:rPr lang="zh-CN" altLang="en-US" smtClean="0"/>
-              <a:t>第二级</a:t>
-            </a:r>
-          </a:p>
-          <a:p>
-            <a:pPr lvl="2"/>
-            <a:r>
-              <a:rPr lang="zh-CN" altLang="en-US" smtClean="0"/>
-              <a:t>第三级</a:t>
-            </a:r>
-          </a:p>
-          <a:p>
-            <a:pPr lvl="3"/>
-            <a:r>
-              <a:rPr lang="zh-CN" altLang="en-US" smtClean="0"/>
-              <a:t>第四级</a:t>
-            </a:r>
-          </a:p>
-          <a:p>
-            <a:pPr lvl="4"/>
-            <a:r>
-              <a:rPr lang="zh-CN" altLang="en-US" smtClean="0"/>
-              <a:t>第五级</a:t>
-            </a:r>
-            <a:endParaRPr lang="zh-CN" altLang="en-US"/>
-          </a:p>
-        </p:txBody>
-      </p:sp>
-      <p:sp>
-        <p:nvSpPr>
-          <p:cNvPr id="4" name="日期占位符 3"/>
-          <p:cNvSpPr>
-            <a:spLocks noGrp="1"/>
-          </p:cNvSpPr>
-          <p:nvPr>
-            <p:ph type="dt" sz="half" idx="10"/>
-          </p:nvPr>
-        </p:nvSpPr>
-        <p:spPr/>
-        <p:txBody>
-          <a:bodyPr/>
-          <a:lstStyle>
-            <a:lvl1pPr>
-              <a:defRPr/>
-            </a:lvl1pPr>
-          </a:lstStyle>
-          <a:p>
-            <a:fld id="{12262E2C-A2CC-494A-8C3F-53906177508A}" type="datetimeFigureOut">
-              <a:rPr lang="zh-CN" altLang="en-US" smtClean="0"/>
-              <a:t>2019/8/25</a:t>
-            </a:fld>
-            <a:endParaRPr lang="zh-CN" altLang="en-US"/>
-          </a:p>
-        </p:txBody>
-      </p:sp>
-      <p:sp>
-        <p:nvSpPr>
-          <p:cNvPr id="5" name="页脚占位符 4"/>
-          <p:cNvSpPr>
-            <a:spLocks noGrp="1"/>
-          </p:cNvSpPr>
-          <p:nvPr>
-            <p:ph type="ftr" sz="quarter" idx="11"/>
-          </p:nvPr>
-        </p:nvSpPr>
-        <p:spPr/>
-        <p:txBody>
-          <a:bodyPr/>
-          <a:lstStyle>
-            <a:lvl1pPr>
-              <a:defRPr/>
-            </a:lvl1pPr>
-          </a:lstStyle>
-          <a:p>
-            <a:endParaRPr lang="zh-CN" altLang="en-US"/>
-          </a:p>
-        </p:txBody>
-      </p:sp>
-      <p:sp>
-        <p:nvSpPr>
-          <p:cNvPr id="6" name="灯片编号占位符 5"/>
-          <p:cNvSpPr>
-            <a:spLocks noGrp="1"/>
-          </p:cNvSpPr>
-          <p:nvPr>
-            <p:ph type="sldNum" sz="quarter" idx="12"/>
-          </p:nvPr>
-        </p:nvSpPr>
-        <p:spPr/>
-        <p:txBody>
-          <a:bodyPr/>
-          <a:lstStyle>
-            <a:lvl1pPr>
-              <a:defRPr/>
-            </a:lvl1pPr>
-          </a:lstStyle>
-          <a:p>
-            <a:fld id="{464D194B-6111-4B23-8170-AE884B01C72C}" type="slidenum">
-              <a:rPr lang="zh-CN" altLang="en-US" smtClean="0"/>
-              <a:t>‹#›</a:t>
-            </a:fld>
-            <a:endParaRPr lang="zh-CN" altLang="en-US"/>
-          </a:p>
-        </p:txBody>
-      </p:sp>
-    </p:spTree>
-    <p:extLst>
-      <p:ext uri="{BB962C8B-B14F-4D97-AF65-F5344CB8AC3E}">
-        <p14:creationId xmlns:p14="http://schemas.microsoft.com/office/powerpoint/2010/main" val="2889922255"/>
-      </p:ext>
-    </p:extLst>
-  </p:cSld>
-  <p:clrMapOvr>
-    <a:masterClrMapping/>
-  </p:clrMapOvr>
-  <mc:AlternateContent xmlns:mc="http://schemas.openxmlformats.org/markup-compatibility/2006" xmlns:p14="http://schemas.microsoft.com/office/powerpoint/2010/main">
-    <mc:Choice Requires="p14">
-      <p:transition p14:dur="10" advTm="0"/>
-    </mc:Choice>
-    <mc:Fallback xmlns="">
-      <p:transition advTm="0"/>
-    </mc:Fallback>
-  </mc:AlternateContent>
 </p:sldLayout>
 </file>
 
@@ -4049,6 +1322,7 @@
               <a:rPr lang="zh-CN" altLang="en-US" smtClean="0"/>
               <a:t>单击此处编辑母版文本样式</a:t>
             </a:r>
+            <a:endParaRPr lang="zh-CN" altLang="en-US" smtClean="0"/>
           </a:p>
         </p:txBody>
       </p:sp>
@@ -4069,7 +1343,6 @@
           <a:p>
             <a:fld id="{12262E2C-A2CC-494A-8C3F-53906177508A}" type="datetimeFigureOut">
               <a:rPr lang="zh-CN" altLang="en-US" smtClean="0"/>
-              <a:t>2019/8/25</a:t>
             </a:fld>
             <a:endParaRPr lang="zh-CN" altLang="en-US"/>
           </a:p>
@@ -4111,18 +1384,12 @@
           <a:p>
             <a:fld id="{464D194B-6111-4B23-8170-AE884B01C72C}" type="slidenum">
               <a:rPr lang="zh-CN" altLang="en-US" smtClean="0"/>
-              <a:t>‹#›</a:t>
             </a:fld>
             <a:endParaRPr lang="zh-CN" altLang="en-US"/>
           </a:p>
         </p:txBody>
       </p:sp>
     </p:spTree>
-    <p:extLst>
-      <p:ext uri="{BB962C8B-B14F-4D97-AF65-F5344CB8AC3E}">
-        <p14:creationId xmlns:p14="http://schemas.microsoft.com/office/powerpoint/2010/main" val="3287516840"/>
-      </p:ext>
-    </p:extLst>
   </p:cSld>
   <p:clrMapOvr>
     <a:masterClrMapping/>
@@ -4195,6 +1462,7 @@
               <a:rPr lang="zh-CN" altLang="en-US" smtClean="0"/>
               <a:t>单击此处编辑母版文本样式</a:t>
             </a:r>
+            <a:endParaRPr lang="zh-CN" altLang="en-US" smtClean="0"/>
           </a:p>
           <a:p>
             <a:pPr lvl="1"/>
@@ -4202,6 +1470,7 @@
               <a:rPr lang="zh-CN" altLang="en-US" smtClean="0"/>
               <a:t>第二级</a:t>
             </a:r>
+            <a:endParaRPr lang="zh-CN" altLang="en-US" smtClean="0"/>
           </a:p>
           <a:p>
             <a:pPr lvl="2"/>
@@ -4209,6 +1478,7 @@
               <a:rPr lang="zh-CN" altLang="en-US" smtClean="0"/>
               <a:t>第三级</a:t>
             </a:r>
+            <a:endParaRPr lang="zh-CN" altLang="en-US" smtClean="0"/>
           </a:p>
           <a:p>
             <a:pPr lvl="3"/>
@@ -4216,6 +1486,7 @@
               <a:rPr lang="zh-CN" altLang="en-US" smtClean="0"/>
               <a:t>第四级</a:t>
             </a:r>
+            <a:endParaRPr lang="zh-CN" altLang="en-US" smtClean="0"/>
           </a:p>
           <a:p>
             <a:pPr lvl="4"/>
@@ -4252,6 +1523,7 @@
               <a:rPr lang="zh-CN" altLang="en-US" smtClean="0"/>
               <a:t>单击此处编辑母版文本样式</a:t>
             </a:r>
+            <a:endParaRPr lang="zh-CN" altLang="en-US" smtClean="0"/>
           </a:p>
           <a:p>
             <a:pPr lvl="1"/>
@@ -4259,6 +1531,7 @@
               <a:rPr lang="zh-CN" altLang="en-US" smtClean="0"/>
               <a:t>第二级</a:t>
             </a:r>
+            <a:endParaRPr lang="zh-CN" altLang="en-US" smtClean="0"/>
           </a:p>
           <a:p>
             <a:pPr lvl="2"/>
@@ -4266,6 +1539,7 @@
               <a:rPr lang="zh-CN" altLang="en-US" smtClean="0"/>
               <a:t>第三级</a:t>
             </a:r>
+            <a:endParaRPr lang="zh-CN" altLang="en-US" smtClean="0"/>
           </a:p>
           <a:p>
             <a:pPr lvl="3"/>
@@ -4273,6 +1547,7 @@
               <a:rPr lang="zh-CN" altLang="en-US" smtClean="0"/>
               <a:t>第四级</a:t>
             </a:r>
+            <a:endParaRPr lang="zh-CN" altLang="en-US" smtClean="0"/>
           </a:p>
           <a:p>
             <a:pPr lvl="4"/>
@@ -4301,7 +1576,6 @@
           <a:p>
             <a:fld id="{12262E2C-A2CC-494A-8C3F-53906177508A}" type="datetimeFigureOut">
               <a:rPr lang="zh-CN" altLang="en-US" smtClean="0"/>
-              <a:t>2019/8/25</a:t>
             </a:fld>
             <a:endParaRPr lang="zh-CN" altLang="en-US"/>
           </a:p>
@@ -4343,18 +1617,12 @@
           <a:p>
             <a:fld id="{464D194B-6111-4B23-8170-AE884B01C72C}" type="slidenum">
               <a:rPr lang="zh-CN" altLang="en-US" smtClean="0"/>
-              <a:t>‹#›</a:t>
             </a:fld>
             <a:endParaRPr lang="zh-CN" altLang="en-US"/>
           </a:p>
         </p:txBody>
       </p:sp>
     </p:spTree>
-    <p:extLst>
-      <p:ext uri="{BB962C8B-B14F-4D97-AF65-F5344CB8AC3E}">
-        <p14:creationId xmlns:p14="http://schemas.microsoft.com/office/powerpoint/2010/main" val="1020216388"/>
-      </p:ext>
-    </p:extLst>
   </p:cSld>
   <p:clrMapOvr>
     <a:masterClrMapping/>
@@ -4469,6 +1737,7 @@
               <a:rPr lang="zh-CN" altLang="en-US" smtClean="0"/>
               <a:t>单击此处编辑母版文本样式</a:t>
             </a:r>
+            <a:endParaRPr lang="zh-CN" altLang="en-US" smtClean="0"/>
           </a:p>
         </p:txBody>
       </p:sp>
@@ -4497,6 +1766,7 @@
               <a:rPr lang="zh-CN" altLang="en-US" smtClean="0"/>
               <a:t>单击此处编辑母版文本样式</a:t>
             </a:r>
+            <a:endParaRPr lang="zh-CN" altLang="en-US" smtClean="0"/>
           </a:p>
           <a:p>
             <a:pPr lvl="1"/>
@@ -4504,6 +1774,7 @@
               <a:rPr lang="zh-CN" altLang="en-US" smtClean="0"/>
               <a:t>第二级</a:t>
             </a:r>
+            <a:endParaRPr lang="zh-CN" altLang="en-US" smtClean="0"/>
           </a:p>
           <a:p>
             <a:pPr lvl="2"/>
@@ -4511,6 +1782,7 @@
               <a:rPr lang="zh-CN" altLang="en-US" smtClean="0"/>
               <a:t>第三级</a:t>
             </a:r>
+            <a:endParaRPr lang="zh-CN" altLang="en-US" smtClean="0"/>
           </a:p>
           <a:p>
             <a:pPr lvl="3"/>
@@ -4518,6 +1790,7 @@
               <a:rPr lang="zh-CN" altLang="en-US" smtClean="0"/>
               <a:t>第四级</a:t>
             </a:r>
+            <a:endParaRPr lang="zh-CN" altLang="en-US" smtClean="0"/>
           </a:p>
           <a:p>
             <a:pPr lvl="4"/>
@@ -4591,6 +1864,7 @@
               <a:rPr lang="zh-CN" altLang="en-US" smtClean="0"/>
               <a:t>单击此处编辑母版文本样式</a:t>
             </a:r>
+            <a:endParaRPr lang="zh-CN" altLang="en-US" smtClean="0"/>
           </a:p>
         </p:txBody>
       </p:sp>
@@ -4619,6 +1893,7 @@
               <a:rPr lang="zh-CN" altLang="en-US" smtClean="0"/>
               <a:t>单击此处编辑母版文本样式</a:t>
             </a:r>
+            <a:endParaRPr lang="zh-CN" altLang="en-US" smtClean="0"/>
           </a:p>
           <a:p>
             <a:pPr lvl="1"/>
@@ -4626,6 +1901,7 @@
               <a:rPr lang="zh-CN" altLang="en-US" smtClean="0"/>
               <a:t>第二级</a:t>
             </a:r>
+            <a:endParaRPr lang="zh-CN" altLang="en-US" smtClean="0"/>
           </a:p>
           <a:p>
             <a:pPr lvl="2"/>
@@ -4633,6 +1909,7 @@
               <a:rPr lang="zh-CN" altLang="en-US" smtClean="0"/>
               <a:t>第三级</a:t>
             </a:r>
+            <a:endParaRPr lang="zh-CN" altLang="en-US" smtClean="0"/>
           </a:p>
           <a:p>
             <a:pPr lvl="3"/>
@@ -4640,6 +1917,7 @@
               <a:rPr lang="zh-CN" altLang="en-US" smtClean="0"/>
               <a:t>第四级</a:t>
             </a:r>
+            <a:endParaRPr lang="zh-CN" altLang="en-US" smtClean="0"/>
           </a:p>
           <a:p>
             <a:pPr lvl="4"/>
@@ -4668,7 +1946,6 @@
           <a:p>
             <a:fld id="{12262E2C-A2CC-494A-8C3F-53906177508A}" type="datetimeFigureOut">
               <a:rPr lang="zh-CN" altLang="en-US" smtClean="0"/>
-              <a:t>2019/8/25</a:t>
             </a:fld>
             <a:endParaRPr lang="zh-CN" altLang="en-US"/>
           </a:p>
@@ -4710,18 +1987,12 @@
           <a:p>
             <a:fld id="{464D194B-6111-4B23-8170-AE884B01C72C}" type="slidenum">
               <a:rPr lang="zh-CN" altLang="en-US" smtClean="0"/>
-              <a:t>‹#›</a:t>
             </a:fld>
             <a:endParaRPr lang="zh-CN" altLang="en-US"/>
           </a:p>
         </p:txBody>
       </p:sp>
     </p:spTree>
-    <p:extLst>
-      <p:ext uri="{BB962C8B-B14F-4D97-AF65-F5344CB8AC3E}">
-        <p14:creationId xmlns:p14="http://schemas.microsoft.com/office/powerpoint/2010/main" val="1483272401"/>
-      </p:ext>
-    </p:extLst>
   </p:cSld>
   <p:clrMapOvr>
     <a:masterClrMapping/>
@@ -4786,7 +2057,6 @@
           <a:p>
             <a:fld id="{12262E2C-A2CC-494A-8C3F-53906177508A}" type="datetimeFigureOut">
               <a:rPr lang="zh-CN" altLang="en-US" smtClean="0"/>
-              <a:t>2019/8/25</a:t>
             </a:fld>
             <a:endParaRPr lang="zh-CN" altLang="en-US"/>
           </a:p>
@@ -4828,18 +2098,12 @@
           <a:p>
             <a:fld id="{464D194B-6111-4B23-8170-AE884B01C72C}" type="slidenum">
               <a:rPr lang="zh-CN" altLang="en-US" smtClean="0"/>
-              <a:t>‹#›</a:t>
             </a:fld>
             <a:endParaRPr lang="zh-CN" altLang="en-US"/>
           </a:p>
         </p:txBody>
       </p:sp>
     </p:spTree>
-    <p:extLst>
-      <p:ext uri="{BB962C8B-B14F-4D97-AF65-F5344CB8AC3E}">
-        <p14:creationId xmlns:p14="http://schemas.microsoft.com/office/powerpoint/2010/main" val="47780270"/>
-      </p:ext>
-    </p:extLst>
   </p:cSld>
   <p:clrMapOvr>
     <a:masterClrMapping/>
@@ -4881,7 +2145,6 @@
           <a:p>
             <a:fld id="{12262E2C-A2CC-494A-8C3F-53906177508A}" type="datetimeFigureOut">
               <a:rPr lang="zh-CN" altLang="en-US" smtClean="0"/>
-              <a:t>2019/8/25</a:t>
             </a:fld>
             <a:endParaRPr lang="zh-CN" altLang="en-US"/>
           </a:p>
@@ -4923,18 +2186,12 @@
           <a:p>
             <a:fld id="{464D194B-6111-4B23-8170-AE884B01C72C}" type="slidenum">
               <a:rPr lang="zh-CN" altLang="en-US" smtClean="0"/>
-              <a:t>‹#›</a:t>
             </a:fld>
             <a:endParaRPr lang="zh-CN" altLang="en-US"/>
           </a:p>
         </p:txBody>
       </p:sp>
     </p:spTree>
-    <p:extLst>
-      <p:ext uri="{BB962C8B-B14F-4D97-AF65-F5344CB8AC3E}">
-        <p14:creationId xmlns:p14="http://schemas.microsoft.com/office/powerpoint/2010/main" val="2047923169"/>
-      </p:ext>
-    </p:extLst>
   </p:cSld>
   <p:clrMapOvr>
     <a:masterClrMapping/>
@@ -5044,6 +2301,7 @@
               <a:rPr lang="zh-CN" altLang="en-US" smtClean="0"/>
               <a:t>单击此处编辑母版文本样式</a:t>
             </a:r>
+            <a:endParaRPr lang="zh-CN" altLang="en-US" smtClean="0"/>
           </a:p>
           <a:p>
             <a:pPr lvl="1"/>
@@ -5051,6 +2309,7 @@
               <a:rPr lang="zh-CN" altLang="en-US" smtClean="0"/>
               <a:t>第二级</a:t>
             </a:r>
+            <a:endParaRPr lang="zh-CN" altLang="en-US" smtClean="0"/>
           </a:p>
           <a:p>
             <a:pPr lvl="2"/>
@@ -5058,6 +2317,7 @@
               <a:rPr lang="zh-CN" altLang="en-US" smtClean="0"/>
               <a:t>第三级</a:t>
             </a:r>
+            <a:endParaRPr lang="zh-CN" altLang="en-US" smtClean="0"/>
           </a:p>
           <a:p>
             <a:pPr lvl="3"/>
@@ -5065,6 +2325,7 @@
               <a:rPr lang="zh-CN" altLang="en-US" smtClean="0"/>
               <a:t>第四级</a:t>
             </a:r>
+            <a:endParaRPr lang="zh-CN" altLang="en-US" smtClean="0"/>
           </a:p>
           <a:p>
             <a:pPr lvl="4"/>
@@ -5138,6 +2399,7 @@
               <a:rPr lang="zh-CN" altLang="en-US" smtClean="0"/>
               <a:t>单击此处编辑母版文本样式</a:t>
             </a:r>
+            <a:endParaRPr lang="zh-CN" altLang="en-US" smtClean="0"/>
           </a:p>
         </p:txBody>
       </p:sp>
@@ -5158,7 +2420,6 @@
           <a:p>
             <a:fld id="{12262E2C-A2CC-494A-8C3F-53906177508A}" type="datetimeFigureOut">
               <a:rPr lang="zh-CN" altLang="en-US" smtClean="0"/>
-              <a:t>2019/8/25</a:t>
             </a:fld>
             <a:endParaRPr lang="zh-CN" altLang="en-US"/>
           </a:p>
@@ -5200,18 +2461,12 @@
           <a:p>
             <a:fld id="{464D194B-6111-4B23-8170-AE884B01C72C}" type="slidenum">
               <a:rPr lang="zh-CN" altLang="en-US" smtClean="0"/>
-              <a:t>‹#›</a:t>
             </a:fld>
             <a:endParaRPr lang="zh-CN" altLang="en-US"/>
           </a:p>
         </p:txBody>
       </p:sp>
     </p:spTree>
-    <p:extLst>
-      <p:ext uri="{BB962C8B-B14F-4D97-AF65-F5344CB8AC3E}">
-        <p14:creationId xmlns:p14="http://schemas.microsoft.com/office/powerpoint/2010/main" val="3363860793"/>
-      </p:ext>
-    </p:extLst>
   </p:cSld>
   <p:clrMapOvr>
     <a:masterClrMapping/>
@@ -5391,6 +2646,7 @@
               <a:rPr lang="zh-CN" altLang="en-US" smtClean="0"/>
               <a:t>单击此处编辑母版文本样式</a:t>
             </a:r>
+            <a:endParaRPr lang="zh-CN" altLang="en-US" smtClean="0"/>
           </a:p>
         </p:txBody>
       </p:sp>
@@ -5411,7 +2667,6 @@
           <a:p>
             <a:fld id="{12262E2C-A2CC-494A-8C3F-53906177508A}" type="datetimeFigureOut">
               <a:rPr lang="zh-CN" altLang="en-US" smtClean="0"/>
-              <a:t>2019/8/25</a:t>
             </a:fld>
             <a:endParaRPr lang="zh-CN" altLang="en-US"/>
           </a:p>
@@ -5453,18 +2708,12 @@
           <a:p>
             <a:fld id="{464D194B-6111-4B23-8170-AE884B01C72C}" type="slidenum">
               <a:rPr lang="zh-CN" altLang="en-US" smtClean="0"/>
-              <a:t>‹#›</a:t>
             </a:fld>
             <a:endParaRPr lang="zh-CN" altLang="en-US"/>
           </a:p>
         </p:txBody>
       </p:sp>
     </p:spTree>
-    <p:extLst>
-      <p:ext uri="{BB962C8B-B14F-4D97-AF65-F5344CB8AC3E}">
-        <p14:creationId xmlns:p14="http://schemas.microsoft.com/office/powerpoint/2010/main" val="1123574354"/>
-      </p:ext>
-    </p:extLst>
   </p:cSld>
   <p:clrMapOvr>
     <a:masterClrMapping/>
@@ -5557,6 +2806,7 @@
               <a:rPr lang="zh-CN" altLang="en-US" smtClean="0"/>
               <a:t>单击此处编辑母版文本样式</a:t>
             </a:r>
+            <a:endParaRPr lang="zh-CN" altLang="en-US" smtClean="0"/>
           </a:p>
           <a:p>
             <a:pPr lvl="1"/>
@@ -5564,6 +2814,7 @@
               <a:rPr lang="zh-CN" altLang="en-US" smtClean="0"/>
               <a:t>第二级</a:t>
             </a:r>
+            <a:endParaRPr lang="zh-CN" altLang="en-US" smtClean="0"/>
           </a:p>
           <a:p>
             <a:pPr lvl="2"/>
@@ -5571,6 +2822,7 @@
               <a:rPr lang="zh-CN" altLang="en-US" smtClean="0"/>
               <a:t>第三级</a:t>
             </a:r>
+            <a:endParaRPr lang="zh-CN" altLang="en-US" smtClean="0"/>
           </a:p>
           <a:p>
             <a:pPr lvl="3"/>
@@ -5578,6 +2830,7 @@
               <a:rPr lang="zh-CN" altLang="en-US" smtClean="0"/>
               <a:t>第四级</a:t>
             </a:r>
+            <a:endParaRPr lang="zh-CN" altLang="en-US" smtClean="0"/>
           </a:p>
           <a:p>
             <a:pPr lvl="4"/>
@@ -5624,7 +2877,6 @@
           <a:p>
             <a:fld id="{12262E2C-A2CC-494A-8C3F-53906177508A}" type="datetimeFigureOut">
               <a:rPr lang="zh-CN" altLang="en-US" smtClean="0"/>
-              <a:t>2019/8/25</a:t>
             </a:fld>
             <a:endParaRPr lang="zh-CN" altLang="en-US"/>
           </a:p>
@@ -5702,18 +2954,12 @@
           <a:p>
             <a:fld id="{464D194B-6111-4B23-8170-AE884B01C72C}" type="slidenum">
               <a:rPr lang="zh-CN" altLang="en-US" smtClean="0"/>
-              <a:t>‹#›</a:t>
             </a:fld>
             <a:endParaRPr lang="zh-CN" altLang="en-US"/>
           </a:p>
         </p:txBody>
       </p:sp>
     </p:spTree>
-    <p:extLst>
-      <p:ext uri="{BB962C8B-B14F-4D97-AF65-F5344CB8AC3E}">
-        <p14:creationId xmlns:p14="http://schemas.microsoft.com/office/powerpoint/2010/main" val="1249868652"/>
-      </p:ext>
-    </p:extLst>
   </p:cSld>
   <p:clrMap bg1="lt1" tx1="dk1" bg2="lt2" tx2="dk2" accent1="accent1" accent2="accent2" accent3="accent3" accent4="accent4" accent5="accent5" accent6="accent6" hlink="hlink" folHlink="folHlink"/>
   <p:sldLayoutIdLst>
@@ -6012,726 +3258,6 @@
 </p:sldMaster>
 </file>
 
-<file path=ppt/slideMasters/slideMaster2.xml><?xml version="1.0" encoding="utf-8"?>
-<p:sldMaster xmlns:a="http://schemas.openxmlformats.org/drawingml/2006/main" xmlns:r="http://schemas.openxmlformats.org/officeDocument/2006/relationships" xmlns:p="http://schemas.openxmlformats.org/presentationml/2006/main">
-  <p:cSld>
-    <p:bg>
-      <p:bgRef idx="1001">
-        <a:schemeClr val="bg1"/>
-      </p:bgRef>
-    </p:bg>
-    <p:spTree>
-      <p:nvGrpSpPr>
-        <p:cNvPr id="1" name=""/>
-        <p:cNvGrpSpPr/>
-        <p:nvPr/>
-      </p:nvGrpSpPr>
-      <p:grpSpPr>
-        <a:xfrm>
-          <a:off x="0" y="0"/>
-          <a:ext cx="0" cy="0"/>
-          <a:chOff x="0" y="0"/>
-          <a:chExt cx="0" cy="0"/>
-        </a:xfrm>
-      </p:grpSpPr>
-      <p:sp>
-        <p:nvSpPr>
-          <p:cNvPr id="1026" name="标题占位符 1"/>
-          <p:cNvSpPr>
-            <a:spLocks noGrp="1"/>
-          </p:cNvSpPr>
-          <p:nvPr>
-            <p:ph type="title"/>
-          </p:nvPr>
-        </p:nvSpPr>
-        <p:spPr bwMode="auto">
-          <a:xfrm>
-            <a:off x="609600" y="275167"/>
-            <a:ext cx="10972800" cy="1143000"/>
-          </a:xfrm>
-          <a:prstGeom prst="rect">
-            <a:avLst/>
-          </a:prstGeom>
-          <a:noFill/>
-          <a:ln>
-            <a:noFill/>
-          </a:ln>
-          <a:extLst>
-            <a:ext uri="{909E8E84-426E-40DD-AFC4-6F175D3DCCD1}">
-              <a14:hiddenFill xmlns:a14="http://schemas.microsoft.com/office/drawing/2010/main">
-                <a:solidFill>
-                  <a:srgbClr val="FFFFFF"/>
-                </a:solidFill>
-              </a14:hiddenFill>
-            </a:ext>
-            <a:ext uri="{91240B29-F687-4F45-9708-019B960494DF}">
-              <a14:hiddenLine xmlns:a14="http://schemas.microsoft.com/office/drawing/2010/main" w="9525">
-                <a:solidFill>
-                  <a:srgbClr val="000000"/>
-                </a:solidFill>
-                <a:miter lim="800000"/>
-                <a:headEnd/>
-                <a:tailEnd/>
-              </a14:hiddenLine>
-            </a:ext>
-          </a:extLst>
-        </p:spPr>
-        <p:txBody>
-          <a:bodyPr vert="horz" wrap="square" lIns="91440" tIns="45720" rIns="91440" bIns="45720" numCol="1" anchor="ctr" anchorCtr="0" compatLnSpc="1"/>
-          <a:lstStyle/>
-          <a:p>
-            <a:pPr lvl="0"/>
-            <a:r>
-              <a:rPr lang="zh-CN" altLang="en-US" smtClean="0"/>
-              <a:t>单击此处编辑母版标题样式</a:t>
-            </a:r>
-          </a:p>
-        </p:txBody>
-      </p:sp>
-      <p:sp>
-        <p:nvSpPr>
-          <p:cNvPr id="1027" name="文本占位符 2"/>
-          <p:cNvSpPr>
-            <a:spLocks noGrp="1"/>
-          </p:cNvSpPr>
-          <p:nvPr>
-            <p:ph type="body" idx="1"/>
-          </p:nvPr>
-        </p:nvSpPr>
-        <p:spPr bwMode="auto">
-          <a:xfrm>
-            <a:off x="609600" y="1600201"/>
-            <a:ext cx="10972800" cy="4525433"/>
-          </a:xfrm>
-          <a:prstGeom prst="rect">
-            <a:avLst/>
-          </a:prstGeom>
-          <a:noFill/>
-          <a:ln>
-            <a:noFill/>
-          </a:ln>
-          <a:extLst>
-            <a:ext uri="{909E8E84-426E-40DD-AFC4-6F175D3DCCD1}">
-              <a14:hiddenFill xmlns:a14="http://schemas.microsoft.com/office/drawing/2010/main">
-                <a:solidFill>
-                  <a:srgbClr val="FFFFFF"/>
-                </a:solidFill>
-              </a14:hiddenFill>
-            </a:ext>
-            <a:ext uri="{91240B29-F687-4F45-9708-019B960494DF}">
-              <a14:hiddenLine xmlns:a14="http://schemas.microsoft.com/office/drawing/2010/main" w="9525">
-                <a:solidFill>
-                  <a:srgbClr val="000000"/>
-                </a:solidFill>
-                <a:miter lim="800000"/>
-                <a:headEnd/>
-                <a:tailEnd/>
-              </a14:hiddenLine>
-            </a:ext>
-          </a:extLst>
-        </p:spPr>
-        <p:txBody>
-          <a:bodyPr vert="horz" wrap="square" lIns="91440" tIns="45720" rIns="91440" bIns="45720" numCol="1" anchor="t" anchorCtr="0" compatLnSpc="1"/>
-          <a:lstStyle/>
-          <a:p>
-            <a:pPr lvl="0"/>
-            <a:r>
-              <a:rPr lang="zh-CN" altLang="en-US" smtClean="0"/>
-              <a:t>单击此处编辑母版文本样式</a:t>
-            </a:r>
-          </a:p>
-          <a:p>
-            <a:pPr lvl="1"/>
-            <a:r>
-              <a:rPr lang="zh-CN" altLang="en-US" smtClean="0"/>
-              <a:t>第二级</a:t>
-            </a:r>
-          </a:p>
-          <a:p>
-            <a:pPr lvl="2"/>
-            <a:r>
-              <a:rPr lang="zh-CN" altLang="en-US" smtClean="0"/>
-              <a:t>第三级</a:t>
-            </a:r>
-          </a:p>
-          <a:p>
-            <a:pPr lvl="3"/>
-            <a:r>
-              <a:rPr lang="zh-CN" altLang="en-US" smtClean="0"/>
-              <a:t>第四级</a:t>
-            </a:r>
-          </a:p>
-          <a:p>
-            <a:pPr lvl="4"/>
-            <a:r>
-              <a:rPr lang="zh-CN" altLang="en-US" smtClean="0"/>
-              <a:t>第五级</a:t>
-            </a:r>
-          </a:p>
-        </p:txBody>
-      </p:sp>
-      <p:sp>
-        <p:nvSpPr>
-          <p:cNvPr id="4" name="日期占位符 3"/>
-          <p:cNvSpPr>
-            <a:spLocks noGrp="1"/>
-          </p:cNvSpPr>
-          <p:nvPr>
-            <p:ph type="dt" sz="half" idx="2"/>
-          </p:nvPr>
-        </p:nvSpPr>
-        <p:spPr>
-          <a:xfrm>
-            <a:off x="609600" y="6356351"/>
-            <a:ext cx="2844800" cy="366183"/>
-          </a:xfrm>
-          <a:prstGeom prst="rect">
-            <a:avLst/>
-          </a:prstGeom>
-        </p:spPr>
-        <p:txBody>
-          <a:bodyPr vert="horz" lIns="91440" tIns="45720" rIns="91440" bIns="45720" rtlCol="0" anchor="ctr"/>
-          <a:lstStyle>
-            <a:lvl1pPr algn="l">
-              <a:spcBef>
-                <a:spcPts val="0"/>
-              </a:spcBef>
-              <a:spcAft>
-                <a:spcPts val="0"/>
-              </a:spcAft>
-              <a:defRPr sz="1600" smtClean="0">
-                <a:solidFill>
-                  <a:schemeClr val="tx1">
-                    <a:tint val="75000"/>
-                  </a:schemeClr>
-                </a:solidFill>
-                <a:latin typeface="+mn-lt"/>
-                <a:ea typeface="+mn-ea"/>
-              </a:defRPr>
-            </a:lvl1pPr>
-          </a:lstStyle>
-          <a:p>
-            <a:fld id="{12262E2C-A2CC-494A-8C3F-53906177508A}" type="datetimeFigureOut">
-              <a:rPr lang="zh-CN" altLang="en-US" smtClean="0"/>
-              <a:t>2019/8/25</a:t>
-            </a:fld>
-            <a:endParaRPr lang="zh-CN" altLang="en-US"/>
-          </a:p>
-        </p:txBody>
-      </p:sp>
-      <p:sp>
-        <p:nvSpPr>
-          <p:cNvPr id="5" name="页脚占位符 4"/>
-          <p:cNvSpPr>
-            <a:spLocks noGrp="1"/>
-          </p:cNvSpPr>
-          <p:nvPr>
-            <p:ph type="ftr" sz="quarter" idx="3"/>
-          </p:nvPr>
-        </p:nvSpPr>
-        <p:spPr>
-          <a:xfrm>
-            <a:off x="4165600" y="6356351"/>
-            <a:ext cx="3860800" cy="366183"/>
-          </a:xfrm>
-          <a:prstGeom prst="rect">
-            <a:avLst/>
-          </a:prstGeom>
-        </p:spPr>
-        <p:txBody>
-          <a:bodyPr vert="horz" lIns="91440" tIns="45720" rIns="91440" bIns="45720" rtlCol="0" anchor="ctr"/>
-          <a:lstStyle>
-            <a:lvl1pPr algn="ctr">
-              <a:spcBef>
-                <a:spcPts val="0"/>
-              </a:spcBef>
-              <a:spcAft>
-                <a:spcPts val="0"/>
-              </a:spcAft>
-              <a:defRPr sz="1600">
-                <a:solidFill>
-                  <a:schemeClr val="tx1">
-                    <a:tint val="75000"/>
-                  </a:schemeClr>
-                </a:solidFill>
-                <a:latin typeface="+mn-lt"/>
-                <a:ea typeface="+mn-ea"/>
-              </a:defRPr>
-            </a:lvl1pPr>
-          </a:lstStyle>
-          <a:p>
-            <a:endParaRPr lang="zh-CN" altLang="en-US"/>
-          </a:p>
-        </p:txBody>
-      </p:sp>
-      <p:sp>
-        <p:nvSpPr>
-          <p:cNvPr id="6" name="灯片编号占位符 5"/>
-          <p:cNvSpPr>
-            <a:spLocks noGrp="1"/>
-          </p:cNvSpPr>
-          <p:nvPr>
-            <p:ph type="sldNum" sz="quarter" idx="4"/>
-          </p:nvPr>
-        </p:nvSpPr>
-        <p:spPr>
-          <a:xfrm>
-            <a:off x="8737600" y="6356351"/>
-            <a:ext cx="2844800" cy="366183"/>
-          </a:xfrm>
-          <a:prstGeom prst="rect">
-            <a:avLst/>
-          </a:prstGeom>
-        </p:spPr>
-        <p:txBody>
-          <a:bodyPr vert="horz" lIns="91440" tIns="45720" rIns="91440" bIns="45720" rtlCol="0" anchor="ctr"/>
-          <a:lstStyle>
-            <a:lvl1pPr algn="r">
-              <a:spcBef>
-                <a:spcPts val="0"/>
-              </a:spcBef>
-              <a:spcAft>
-                <a:spcPts val="0"/>
-              </a:spcAft>
-              <a:defRPr sz="1600" smtClean="0">
-                <a:solidFill>
-                  <a:schemeClr val="tx1">
-                    <a:tint val="75000"/>
-                  </a:schemeClr>
-                </a:solidFill>
-                <a:latin typeface="+mn-lt"/>
-                <a:ea typeface="+mn-ea"/>
-              </a:defRPr>
-            </a:lvl1pPr>
-          </a:lstStyle>
-          <a:p>
-            <a:fld id="{464D194B-6111-4B23-8170-AE884B01C72C}" type="slidenum">
-              <a:rPr lang="zh-CN" altLang="en-US" smtClean="0"/>
-              <a:t>‹#›</a:t>
-            </a:fld>
-            <a:endParaRPr lang="zh-CN" altLang="en-US"/>
-          </a:p>
-        </p:txBody>
-      </p:sp>
-    </p:spTree>
-    <p:extLst>
-      <p:ext uri="{BB962C8B-B14F-4D97-AF65-F5344CB8AC3E}">
-        <p14:creationId xmlns:p14="http://schemas.microsoft.com/office/powerpoint/2010/main" val="1612019913"/>
-      </p:ext>
-    </p:extLst>
-  </p:cSld>
-  <p:clrMap bg1="lt1" tx1="dk1" bg2="lt2" tx2="dk2" accent1="accent1" accent2="accent2" accent3="accent3" accent4="accent4" accent5="accent5" accent6="accent6" hlink="hlink" folHlink="folHlink"/>
-  <p:sldLayoutIdLst>
-    <p:sldLayoutId id="2147483697" r:id="rId1"/>
-    <p:sldLayoutId id="2147483698" r:id="rId2"/>
-    <p:sldLayoutId id="2147483699" r:id="rId3"/>
-    <p:sldLayoutId id="2147483700" r:id="rId4"/>
-    <p:sldLayoutId id="2147483701" r:id="rId5"/>
-    <p:sldLayoutId id="2147483702" r:id="rId6"/>
-    <p:sldLayoutId id="2147483703" r:id="rId7"/>
-    <p:sldLayoutId id="2147483704" r:id="rId8"/>
-    <p:sldLayoutId id="2147483705" r:id="rId9"/>
-    <p:sldLayoutId id="2147483706" r:id="rId10"/>
-    <p:sldLayoutId id="2147483707" r:id="rId11"/>
-  </p:sldLayoutIdLst>
-  <mc:AlternateContent xmlns:mc="http://schemas.openxmlformats.org/markup-compatibility/2006" xmlns:p14="http://schemas.microsoft.com/office/powerpoint/2010/main">
-    <mc:Choice Requires="p14">
-      <p:transition p14:dur="10" advTm="0"/>
-    </mc:Choice>
-    <mc:Fallback xmlns="">
-      <p:transition advTm="0"/>
-    </mc:Fallback>
-  </mc:AlternateContent>
-  <p:txStyles>
-    <p:titleStyle>
-      <a:lvl1pPr algn="ctr" rtl="0" eaLnBrk="1" fontAlgn="base" hangingPunct="1">
-        <a:spcBef>
-          <a:spcPct val="0"/>
-        </a:spcBef>
-        <a:spcAft>
-          <a:spcPct val="0"/>
-        </a:spcAft>
-        <a:defRPr sz="5867" kern="1200">
-          <a:solidFill>
-            <a:schemeClr val="tx1"/>
-          </a:solidFill>
-          <a:latin typeface="+mj-lt"/>
-          <a:ea typeface="+mj-ea"/>
-          <a:cs typeface="+mj-cs"/>
-        </a:defRPr>
-      </a:lvl1pPr>
-      <a:lvl2pPr algn="ctr" rtl="0" eaLnBrk="1" fontAlgn="base" hangingPunct="1">
-        <a:spcBef>
-          <a:spcPct val="0"/>
-        </a:spcBef>
-        <a:spcAft>
-          <a:spcPct val="0"/>
-        </a:spcAft>
-        <a:defRPr sz="5867">
-          <a:solidFill>
-            <a:schemeClr val="tx1"/>
-          </a:solidFill>
-          <a:latin typeface="Calibri" pitchFamily="34" charset="0"/>
-          <a:ea typeface="宋体" pitchFamily="2" charset="-122"/>
-        </a:defRPr>
-      </a:lvl2pPr>
-      <a:lvl3pPr algn="ctr" rtl="0" eaLnBrk="1" fontAlgn="base" hangingPunct="1">
-        <a:spcBef>
-          <a:spcPct val="0"/>
-        </a:spcBef>
-        <a:spcAft>
-          <a:spcPct val="0"/>
-        </a:spcAft>
-        <a:defRPr sz="5867">
-          <a:solidFill>
-            <a:schemeClr val="tx1"/>
-          </a:solidFill>
-          <a:latin typeface="Calibri" pitchFamily="34" charset="0"/>
-          <a:ea typeface="宋体" pitchFamily="2" charset="-122"/>
-        </a:defRPr>
-      </a:lvl3pPr>
-      <a:lvl4pPr algn="ctr" rtl="0" eaLnBrk="1" fontAlgn="base" hangingPunct="1">
-        <a:spcBef>
-          <a:spcPct val="0"/>
-        </a:spcBef>
-        <a:spcAft>
-          <a:spcPct val="0"/>
-        </a:spcAft>
-        <a:defRPr sz="5867">
-          <a:solidFill>
-            <a:schemeClr val="tx1"/>
-          </a:solidFill>
-          <a:latin typeface="Calibri" pitchFamily="34" charset="0"/>
-          <a:ea typeface="宋体" pitchFamily="2" charset="-122"/>
-        </a:defRPr>
-      </a:lvl4pPr>
-      <a:lvl5pPr algn="ctr" rtl="0" eaLnBrk="1" fontAlgn="base" hangingPunct="1">
-        <a:spcBef>
-          <a:spcPct val="0"/>
-        </a:spcBef>
-        <a:spcAft>
-          <a:spcPct val="0"/>
-        </a:spcAft>
-        <a:defRPr sz="5867">
-          <a:solidFill>
-            <a:schemeClr val="tx1"/>
-          </a:solidFill>
-          <a:latin typeface="Calibri" pitchFamily="34" charset="0"/>
-          <a:ea typeface="宋体" pitchFamily="2" charset="-122"/>
-        </a:defRPr>
-      </a:lvl5pPr>
-      <a:lvl6pPr marL="609585" algn="ctr" rtl="0" eaLnBrk="1" fontAlgn="base" hangingPunct="1">
-        <a:spcBef>
-          <a:spcPct val="0"/>
-        </a:spcBef>
-        <a:spcAft>
-          <a:spcPct val="0"/>
-        </a:spcAft>
-        <a:defRPr sz="5867">
-          <a:solidFill>
-            <a:schemeClr val="tx1"/>
-          </a:solidFill>
-          <a:latin typeface="Calibri" pitchFamily="34" charset="0"/>
-          <a:ea typeface="宋体" pitchFamily="2" charset="-122"/>
-        </a:defRPr>
-      </a:lvl6pPr>
-      <a:lvl7pPr marL="1219170" algn="ctr" rtl="0" eaLnBrk="1" fontAlgn="base" hangingPunct="1">
-        <a:spcBef>
-          <a:spcPct val="0"/>
-        </a:spcBef>
-        <a:spcAft>
-          <a:spcPct val="0"/>
-        </a:spcAft>
-        <a:defRPr sz="5867">
-          <a:solidFill>
-            <a:schemeClr val="tx1"/>
-          </a:solidFill>
-          <a:latin typeface="Calibri" pitchFamily="34" charset="0"/>
-          <a:ea typeface="宋体" pitchFamily="2" charset="-122"/>
-        </a:defRPr>
-      </a:lvl7pPr>
-      <a:lvl8pPr marL="1828754" algn="ctr" rtl="0" eaLnBrk="1" fontAlgn="base" hangingPunct="1">
-        <a:spcBef>
-          <a:spcPct val="0"/>
-        </a:spcBef>
-        <a:spcAft>
-          <a:spcPct val="0"/>
-        </a:spcAft>
-        <a:defRPr sz="5867">
-          <a:solidFill>
-            <a:schemeClr val="tx1"/>
-          </a:solidFill>
-          <a:latin typeface="Calibri" pitchFamily="34" charset="0"/>
-          <a:ea typeface="宋体" pitchFamily="2" charset="-122"/>
-        </a:defRPr>
-      </a:lvl8pPr>
-      <a:lvl9pPr marL="2438339" algn="ctr" rtl="0" eaLnBrk="1" fontAlgn="base" hangingPunct="1">
-        <a:spcBef>
-          <a:spcPct val="0"/>
-        </a:spcBef>
-        <a:spcAft>
-          <a:spcPct val="0"/>
-        </a:spcAft>
-        <a:defRPr sz="5867">
-          <a:solidFill>
-            <a:schemeClr val="tx1"/>
-          </a:solidFill>
-          <a:latin typeface="Calibri" pitchFamily="34" charset="0"/>
-          <a:ea typeface="宋体" pitchFamily="2" charset="-122"/>
-        </a:defRPr>
-      </a:lvl9pPr>
-    </p:titleStyle>
-    <p:bodyStyle>
-      <a:lvl1pPr marL="457189" indent="-457189" algn="l" rtl="0" eaLnBrk="1" fontAlgn="base" hangingPunct="1">
-        <a:spcBef>
-          <a:spcPct val="20000"/>
-        </a:spcBef>
-        <a:spcAft>
-          <a:spcPct val="0"/>
-        </a:spcAft>
-        <a:buFont typeface="Arial" pitchFamily="34" charset="0"/>
-        <a:buChar char="•"/>
-        <a:defRPr sz="4267" kern="1200">
-          <a:solidFill>
-            <a:schemeClr val="tx1"/>
-          </a:solidFill>
-          <a:latin typeface="+mn-lt"/>
-          <a:ea typeface="+mn-ea"/>
-          <a:cs typeface="+mn-cs"/>
-        </a:defRPr>
-      </a:lvl1pPr>
-      <a:lvl2pPr marL="990575" indent="-380990" algn="l" rtl="0" eaLnBrk="1" fontAlgn="base" hangingPunct="1">
-        <a:spcBef>
-          <a:spcPct val="20000"/>
-        </a:spcBef>
-        <a:spcAft>
-          <a:spcPct val="0"/>
-        </a:spcAft>
-        <a:buFont typeface="Arial" pitchFamily="34" charset="0"/>
-        <a:buChar char="–"/>
-        <a:defRPr sz="3733" kern="1200">
-          <a:solidFill>
-            <a:schemeClr val="tx1"/>
-          </a:solidFill>
-          <a:latin typeface="+mn-lt"/>
-          <a:ea typeface="+mn-ea"/>
-          <a:cs typeface="+mn-cs"/>
-        </a:defRPr>
-      </a:lvl2pPr>
-      <a:lvl3pPr marL="1523962" indent="-304792" algn="l" rtl="0" eaLnBrk="1" fontAlgn="base" hangingPunct="1">
-        <a:spcBef>
-          <a:spcPct val="20000"/>
-        </a:spcBef>
-        <a:spcAft>
-          <a:spcPct val="0"/>
-        </a:spcAft>
-        <a:buFont typeface="Arial" pitchFamily="34" charset="0"/>
-        <a:buChar char="•"/>
-        <a:defRPr sz="3200" kern="1200">
-          <a:solidFill>
-            <a:schemeClr val="tx1"/>
-          </a:solidFill>
-          <a:latin typeface="+mn-lt"/>
-          <a:ea typeface="+mn-ea"/>
-          <a:cs typeface="+mn-cs"/>
-        </a:defRPr>
-      </a:lvl3pPr>
-      <a:lvl4pPr marL="2133547" indent="-304792" algn="l" rtl="0" eaLnBrk="1" fontAlgn="base" hangingPunct="1">
-        <a:spcBef>
-          <a:spcPct val="20000"/>
-        </a:spcBef>
-        <a:spcAft>
-          <a:spcPct val="0"/>
-        </a:spcAft>
-        <a:buFont typeface="Arial" pitchFamily="34" charset="0"/>
-        <a:buChar char="–"/>
-        <a:defRPr sz="2667" kern="1200">
-          <a:solidFill>
-            <a:schemeClr val="tx1"/>
-          </a:solidFill>
-          <a:latin typeface="+mn-lt"/>
-          <a:ea typeface="+mn-ea"/>
-          <a:cs typeface="+mn-cs"/>
-        </a:defRPr>
-      </a:lvl4pPr>
-      <a:lvl5pPr marL="2743131" indent="-304792" algn="l" rtl="0" eaLnBrk="1" fontAlgn="base" hangingPunct="1">
-        <a:spcBef>
-          <a:spcPct val="20000"/>
-        </a:spcBef>
-        <a:spcAft>
-          <a:spcPct val="0"/>
-        </a:spcAft>
-        <a:buFont typeface="Arial" pitchFamily="34" charset="0"/>
-        <a:buChar char="»"/>
-        <a:defRPr sz="2667" kern="1200">
-          <a:solidFill>
-            <a:schemeClr val="tx1"/>
-          </a:solidFill>
-          <a:latin typeface="+mn-lt"/>
-          <a:ea typeface="+mn-ea"/>
-          <a:cs typeface="+mn-cs"/>
-        </a:defRPr>
-      </a:lvl5pPr>
-      <a:lvl6pPr marL="3352716" indent="-304792" algn="l" defTabSz="1219170" rtl="0" eaLnBrk="1" latinLnBrk="0" hangingPunct="1">
-        <a:spcBef>
-          <a:spcPct val="20000"/>
-        </a:spcBef>
-        <a:buFont typeface="Arial" pitchFamily="34" charset="0"/>
-        <a:buChar char="•"/>
-        <a:defRPr sz="2667" kern="1200">
-          <a:solidFill>
-            <a:schemeClr val="tx1"/>
-          </a:solidFill>
-          <a:latin typeface="+mn-lt"/>
-          <a:ea typeface="+mn-ea"/>
-          <a:cs typeface="+mn-cs"/>
-        </a:defRPr>
-      </a:lvl6pPr>
-      <a:lvl7pPr marL="3962301" indent="-304792" algn="l" defTabSz="1219170" rtl="0" eaLnBrk="1" latinLnBrk="0" hangingPunct="1">
-        <a:spcBef>
-          <a:spcPct val="20000"/>
-        </a:spcBef>
-        <a:buFont typeface="Arial" pitchFamily="34" charset="0"/>
-        <a:buChar char="•"/>
-        <a:defRPr sz="2667" kern="1200">
-          <a:solidFill>
-            <a:schemeClr val="tx1"/>
-          </a:solidFill>
-          <a:latin typeface="+mn-lt"/>
-          <a:ea typeface="+mn-ea"/>
-          <a:cs typeface="+mn-cs"/>
-        </a:defRPr>
-      </a:lvl7pPr>
-      <a:lvl8pPr marL="4571886" indent="-304792" algn="l" defTabSz="1219170" rtl="0" eaLnBrk="1" latinLnBrk="0" hangingPunct="1">
-        <a:spcBef>
-          <a:spcPct val="20000"/>
-        </a:spcBef>
-        <a:buFont typeface="Arial" pitchFamily="34" charset="0"/>
-        <a:buChar char="•"/>
-        <a:defRPr sz="2667" kern="1200">
-          <a:solidFill>
-            <a:schemeClr val="tx1"/>
-          </a:solidFill>
-          <a:latin typeface="+mn-lt"/>
-          <a:ea typeface="+mn-ea"/>
-          <a:cs typeface="+mn-cs"/>
-        </a:defRPr>
-      </a:lvl8pPr>
-      <a:lvl9pPr marL="5181470" indent="-304792" algn="l" defTabSz="1219170" rtl="0" eaLnBrk="1" latinLnBrk="0" hangingPunct="1">
-        <a:spcBef>
-          <a:spcPct val="20000"/>
-        </a:spcBef>
-        <a:buFont typeface="Arial" pitchFamily="34" charset="0"/>
-        <a:buChar char="•"/>
-        <a:defRPr sz="2667" kern="1200">
-          <a:solidFill>
-            <a:schemeClr val="tx1"/>
-          </a:solidFill>
-          <a:latin typeface="+mn-lt"/>
-          <a:ea typeface="+mn-ea"/>
-          <a:cs typeface="+mn-cs"/>
-        </a:defRPr>
-      </a:lvl9pPr>
-    </p:bodyStyle>
-    <p:otherStyle>
-      <a:defPPr>
-        <a:defRPr lang="zh-CN"/>
-      </a:defPPr>
-      <a:lvl1pPr marL="0" algn="l" defTabSz="1219170" rtl="0" eaLnBrk="1" latinLnBrk="0" hangingPunct="1">
-        <a:defRPr sz="2400" kern="1200">
-          <a:solidFill>
-            <a:schemeClr val="tx1"/>
-          </a:solidFill>
-          <a:latin typeface="+mn-lt"/>
-          <a:ea typeface="+mn-ea"/>
-          <a:cs typeface="+mn-cs"/>
-        </a:defRPr>
-      </a:lvl1pPr>
-      <a:lvl2pPr marL="609585" algn="l" defTabSz="1219170" rtl="0" eaLnBrk="1" latinLnBrk="0" hangingPunct="1">
-        <a:defRPr sz="2400" kern="1200">
-          <a:solidFill>
-            <a:schemeClr val="tx1"/>
-          </a:solidFill>
-          <a:latin typeface="+mn-lt"/>
-          <a:ea typeface="+mn-ea"/>
-          <a:cs typeface="+mn-cs"/>
-        </a:defRPr>
-      </a:lvl2pPr>
-      <a:lvl3pPr marL="1219170" algn="l" defTabSz="1219170" rtl="0" eaLnBrk="1" latinLnBrk="0" hangingPunct="1">
-        <a:defRPr sz="2400" kern="1200">
-          <a:solidFill>
-            <a:schemeClr val="tx1"/>
-          </a:solidFill>
-          <a:latin typeface="+mn-lt"/>
-          <a:ea typeface="+mn-ea"/>
-          <a:cs typeface="+mn-cs"/>
-        </a:defRPr>
-      </a:lvl3pPr>
-      <a:lvl4pPr marL="1828754" algn="l" defTabSz="1219170" rtl="0" eaLnBrk="1" latinLnBrk="0" hangingPunct="1">
-        <a:defRPr sz="2400" kern="1200">
-          <a:solidFill>
-            <a:schemeClr val="tx1"/>
-          </a:solidFill>
-          <a:latin typeface="+mn-lt"/>
-          <a:ea typeface="+mn-ea"/>
-          <a:cs typeface="+mn-cs"/>
-        </a:defRPr>
-      </a:lvl4pPr>
-      <a:lvl5pPr marL="2438339" algn="l" defTabSz="1219170" rtl="0" eaLnBrk="1" latinLnBrk="0" hangingPunct="1">
-        <a:defRPr sz="2400" kern="1200">
-          <a:solidFill>
-            <a:schemeClr val="tx1"/>
-          </a:solidFill>
-          <a:latin typeface="+mn-lt"/>
-          <a:ea typeface="+mn-ea"/>
-          <a:cs typeface="+mn-cs"/>
-        </a:defRPr>
-      </a:lvl5pPr>
-      <a:lvl6pPr marL="3047924" algn="l" defTabSz="1219170" rtl="0" eaLnBrk="1" latinLnBrk="0" hangingPunct="1">
-        <a:defRPr sz="2400" kern="1200">
-          <a:solidFill>
-            <a:schemeClr val="tx1"/>
-          </a:solidFill>
-          <a:latin typeface="+mn-lt"/>
-          <a:ea typeface="+mn-ea"/>
-          <a:cs typeface="+mn-cs"/>
-        </a:defRPr>
-      </a:lvl6pPr>
-      <a:lvl7pPr marL="3657509" algn="l" defTabSz="1219170" rtl="0" eaLnBrk="1" latinLnBrk="0" hangingPunct="1">
-        <a:defRPr sz="2400" kern="1200">
-          <a:solidFill>
-            <a:schemeClr val="tx1"/>
-          </a:solidFill>
-          <a:latin typeface="+mn-lt"/>
-          <a:ea typeface="+mn-ea"/>
-          <a:cs typeface="+mn-cs"/>
-        </a:defRPr>
-      </a:lvl7pPr>
-      <a:lvl8pPr marL="4267093" algn="l" defTabSz="1219170" rtl="0" eaLnBrk="1" latinLnBrk="0" hangingPunct="1">
-        <a:defRPr sz="2400" kern="1200">
-          <a:solidFill>
-            <a:schemeClr val="tx1"/>
-          </a:solidFill>
-          <a:latin typeface="+mn-lt"/>
-          <a:ea typeface="+mn-ea"/>
-          <a:cs typeface="+mn-cs"/>
-        </a:defRPr>
-      </a:lvl8pPr>
-      <a:lvl9pPr marL="4876678" algn="l" defTabSz="1219170" rtl="0" eaLnBrk="1" latinLnBrk="0" hangingPunct="1">
-        <a:defRPr sz="2400" kern="1200">
-          <a:solidFill>
-            <a:schemeClr val="tx1"/>
-          </a:solidFill>
-          <a:latin typeface="+mn-lt"/>
-          <a:ea typeface="+mn-ea"/>
-          <a:cs typeface="+mn-cs"/>
-        </a:defRPr>
-      </a:lvl9pPr>
-    </p:otherStyle>
-  </p:txStyles>
-</p:sldMaster>
-</file>
-
 <file path=ppt/slides/slide1.xml><?xml version="1.0" encoding="utf-8"?>
 <p:sld xmlns:a="http://schemas.openxmlformats.org/drawingml/2006/main" xmlns:r="http://schemas.openxmlformats.org/officeDocument/2006/relationships" xmlns:p="http://schemas.openxmlformats.org/presentationml/2006/main">
   <p:cSld>
@@ -6760,12 +3286,10 @@
       <p:sp>
         <p:nvSpPr>
           <p:cNvPr id="5125" name="MH_Other_1"/>
-          <p:cNvSpPr>
-            <a:spLocks/>
-          </p:cNvSpPr>
+          <p:cNvSpPr/>
           <p:nvPr>
             <p:custDataLst>
-              <p:tags r:id="rId2"/>
+              <p:tags r:id="rId1"/>
             </p:custDataLst>
           </p:nvPr>
         </p:nvSpPr>
@@ -6902,12 +3426,10 @@
       <p:sp>
         <p:nvSpPr>
           <p:cNvPr id="5126" name="MH_Other_2"/>
-          <p:cNvSpPr>
-            <a:spLocks/>
-          </p:cNvSpPr>
+          <p:cNvSpPr/>
           <p:nvPr>
             <p:custDataLst>
-              <p:tags r:id="rId3"/>
+              <p:tags r:id="rId2"/>
             </p:custDataLst>
           </p:nvPr>
         </p:nvSpPr>
@@ -7044,12 +3566,10 @@
       <p:sp>
         <p:nvSpPr>
           <p:cNvPr id="5127" name="MH_Other_3"/>
-          <p:cNvSpPr>
-            <a:spLocks/>
-          </p:cNvSpPr>
+          <p:cNvSpPr/>
           <p:nvPr>
             <p:custDataLst>
-              <p:tags r:id="rId4"/>
+              <p:tags r:id="rId3"/>
             </p:custDataLst>
           </p:nvPr>
         </p:nvSpPr>
@@ -7189,7 +3709,7 @@
           <p:cNvSpPr/>
           <p:nvPr>
             <p:custDataLst>
-              <p:tags r:id="rId5"/>
+              <p:tags r:id="rId4"/>
             </p:custDataLst>
           </p:nvPr>
         </p:nvSpPr>
@@ -12069,7 +8589,7 @@
           </p:cNvSpPr>
           <p:nvPr>
             <p:custDataLst>
-              <p:tags r:id="rId6"/>
+              <p:tags r:id="rId5"/>
             </p:custDataLst>
           </p:nvPr>
         </p:nvSpPr>
@@ -12315,7 +8835,7 @@
           <p:cNvSpPr/>
           <p:nvPr>
             <p:custDataLst>
-              <p:tags r:id="rId7"/>
+              <p:tags r:id="rId6"/>
             </p:custDataLst>
           </p:nvPr>
         </p:nvSpPr>
@@ -16339,7 +12859,7 @@
           </p:cNvSpPr>
           <p:nvPr>
             <p:custDataLst>
-              <p:tags r:id="rId8"/>
+              <p:tags r:id="rId7"/>
             </p:custDataLst>
           </p:nvPr>
         </p:nvSpPr>
@@ -16585,7 +13105,7 @@
           <p:cNvSpPr/>
           <p:nvPr>
             <p:custDataLst>
-              <p:tags r:id="rId9"/>
+              <p:tags r:id="rId8"/>
             </p:custDataLst>
           </p:nvPr>
         </p:nvSpPr>
@@ -21485,7 +18005,7 @@
           </p:cNvSpPr>
           <p:nvPr>
             <p:custDataLst>
-              <p:tags r:id="rId10"/>
+              <p:tags r:id="rId9"/>
             </p:custDataLst>
           </p:nvPr>
         </p:nvSpPr>
@@ -21728,9 +18248,7 @@
       <p:sp>
         <p:nvSpPr>
           <p:cNvPr id="16" name="标题 1"/>
-          <p:cNvSpPr txBox="1">
-            <a:spLocks/>
-          </p:cNvSpPr>
+          <p:cNvSpPr txBox="1"/>
           <p:nvPr/>
         </p:nvSpPr>
         <p:spPr>
@@ -21805,9 +18323,7 @@
       <p:sp>
         <p:nvSpPr>
           <p:cNvPr id="17" name="副标题 2"/>
-          <p:cNvSpPr txBox="1">
-            <a:spLocks/>
-          </p:cNvSpPr>
+          <p:cNvSpPr txBox="1"/>
           <p:nvPr/>
         </p:nvSpPr>
         <p:spPr>
@@ -22013,22 +18529,17 @@
       </p:sp>
     </p:spTree>
     <p:custDataLst>
-      <p:tags r:id="rId1"/>
+      <p:tags r:id="rId10"/>
     </p:custDataLst>
-    <p:extLst>
-      <p:ext uri="{BB962C8B-B14F-4D97-AF65-F5344CB8AC3E}">
-        <p14:creationId xmlns:p14="http://schemas.microsoft.com/office/powerpoint/2010/main" val="3333666511"/>
-      </p:ext>
-    </p:extLst>
   </p:cSld>
   <p:clrMapOvr>
     <a:masterClrMapping/>
   </p:clrMapOvr>
-  <mc:AlternateContent xmlns:mc="http://schemas.openxmlformats.org/markup-compatibility/2006" xmlns:p14="http://schemas.microsoft.com/office/powerpoint/2010/main">
-    <mc:Choice Requires="p14">
+  <mc:AlternateContent xmlns:mc="http://schemas.openxmlformats.org/markup-compatibility/2006">
+    <mc:Choice xmlns:p14="http://schemas.microsoft.com/office/powerpoint/2010/main" Requires="p14">
       <p:transition spd="slow" p14:dur="2000"/>
     </mc:Choice>
-    <mc:Fallback xmlns="">
+    <mc:Fallback>
       <p:transition spd="slow"/>
     </mc:Fallback>
   </mc:AlternateContent>
@@ -22278,11 +18789,6 @@
         </p:txBody>
       </p:sp>
     </p:spTree>
-    <p:extLst>
-      <p:ext uri="{BB962C8B-B14F-4D97-AF65-F5344CB8AC3E}">
-        <p14:creationId xmlns:p14="http://schemas.microsoft.com/office/powerpoint/2010/main" val="3620056398"/>
-      </p:ext>
-    </p:extLst>
   </p:cSld>
   <p:clrMapOvr>
     <a:masterClrMapping/>
@@ -22352,7 +18858,7 @@
           <p:nvPr/>
         </p:nvPicPr>
         <p:blipFill>
-          <a:blip r:embed="rId2">
+          <a:blip r:embed="rId1">
             <a:extLst>
               <a:ext uri="{28A0092B-C50C-407E-A947-70E740481C1C}">
                 <a14:useLocalDpi xmlns:a14="http://schemas.microsoft.com/office/drawing/2010/main" val="0"/>
@@ -22416,7 +18922,7 @@
           <p:nvPr/>
         </p:nvPicPr>
         <p:blipFill>
-          <a:blip r:embed="rId3">
+          <a:blip r:embed="rId2">
             <a:extLst>
               <a:ext uri="{28A0092B-C50C-407E-A947-70E740481C1C}">
                 <a14:useLocalDpi xmlns:a14="http://schemas.microsoft.com/office/drawing/2010/main" val="0"/>
@@ -22480,7 +18986,7 @@
           <p:nvPr/>
         </p:nvPicPr>
         <p:blipFill>
-          <a:blip r:embed="rId4">
+          <a:blip r:embed="rId3">
             <a:extLst>
               <a:ext uri="{28A0092B-C50C-407E-A947-70E740481C1C}">
                 <a14:useLocalDpi xmlns:a14="http://schemas.microsoft.com/office/drawing/2010/main" val="0"/>
@@ -22544,7 +19050,7 @@
           <p:nvPr/>
         </p:nvPicPr>
         <p:blipFill>
-          <a:blip r:embed="rId5">
+          <a:blip r:embed="rId4">
             <a:extLst>
               <a:ext uri="{28A0092B-C50C-407E-A947-70E740481C1C}">
                 <a14:useLocalDpi xmlns:a14="http://schemas.microsoft.com/office/drawing/2010/main" val="0"/>
@@ -22600,11 +19106,6 @@
         </p:spPr>
       </p:pic>
     </p:spTree>
-    <p:extLst>
-      <p:ext uri="{BB962C8B-B14F-4D97-AF65-F5344CB8AC3E}">
-        <p14:creationId xmlns:p14="http://schemas.microsoft.com/office/powerpoint/2010/main" val="1353443392"/>
-      </p:ext>
-    </p:extLst>
   </p:cSld>
   <p:clrMapOvr>
     <a:masterClrMapping/>
@@ -22705,13 +19206,13 @@
             </a:pPr>
             <a:r>
               <a:rPr lang="en-US" altLang="zh-CN" dirty="0">
-                <a:hlinkClick r:id="rId2"/>
+                <a:hlinkClick r:id="rId1"/>
               </a:rPr>
               <a:t>https://</a:t>
             </a:r>
             <a:r>
               <a:rPr lang="en-US" altLang="zh-CN" dirty="0" smtClean="0">
-                <a:hlinkClick r:id="rId2"/>
+                <a:hlinkClick r:id="rId1"/>
               </a:rPr>
               <a:t>github.com/micro/go-micro</a:t>
             </a:r>
@@ -22769,6 +19270,7 @@
               <a:rPr lang="en-US" altLang="zh-CN" dirty="0" smtClean="0"/>
               <a:t>go get -u github.com/micro/go-micro</a:t>
             </a:r>
+            <a:endParaRPr lang="en-US" altLang="zh-CN" dirty="0" smtClean="0"/>
           </a:p>
           <a:p>
             <a:pPr marL="0" indent="0">
@@ -22791,11 +19293,6 @@
         </p:txBody>
       </p:sp>
     </p:spTree>
-    <p:extLst>
-      <p:ext uri="{BB962C8B-B14F-4D97-AF65-F5344CB8AC3E}">
-        <p14:creationId xmlns:p14="http://schemas.microsoft.com/office/powerpoint/2010/main" val="2555823200"/>
-      </p:ext>
-    </p:extLst>
   </p:cSld>
   <p:clrMapOvr>
     <a:masterClrMapping/>
@@ -22932,17 +19429,9 @@
             <a:br>
               <a:rPr lang="en-US" altLang="zh-CN" dirty="0"/>
             </a:br>
-            <a:r>
-              <a:rPr lang="en-US" altLang="zh-CN" dirty="0"/>
-              <a:t/>
-            </a:r>
             <a:br>
               <a:rPr lang="en-US" altLang="zh-CN" dirty="0"/>
             </a:br>
-            <a:r>
-              <a:rPr lang="en-US" altLang="zh-CN" dirty="0"/>
-              <a:t/>
-            </a:r>
             <a:br>
               <a:rPr lang="en-US" altLang="zh-CN" dirty="0"/>
             </a:br>
@@ -22962,11 +19451,6 @@
         </p:txBody>
       </p:sp>
     </p:spTree>
-    <p:extLst>
-      <p:ext uri="{BB962C8B-B14F-4D97-AF65-F5344CB8AC3E}">
-        <p14:creationId xmlns:p14="http://schemas.microsoft.com/office/powerpoint/2010/main" val="1190801238"/>
-      </p:ext>
-    </p:extLst>
   </p:cSld>
   <p:clrMapOvr>
     <a:masterClrMapping/>
@@ -22981,142 +19465,17 @@
 </p:sld>
 </file>
 
-<file path=ppt/slides/slide6.xml><?xml version="1.0" encoding="utf-8"?>
-<p:sld xmlns:a="http://schemas.openxmlformats.org/drawingml/2006/main" xmlns:r="http://schemas.openxmlformats.org/officeDocument/2006/relationships" xmlns:p="http://schemas.openxmlformats.org/presentationml/2006/main">
-  <p:cSld>
-    <p:spTree>
-      <p:nvGrpSpPr>
-        <p:cNvPr id="1" name=""/>
-        <p:cNvGrpSpPr/>
-        <p:nvPr/>
-      </p:nvGrpSpPr>
-      <p:grpSpPr>
-        <a:xfrm>
-          <a:off x="0" y="0"/>
-          <a:ext cx="0" cy="0"/>
-          <a:chOff x="0" y="0"/>
-          <a:chExt cx="0" cy="0"/>
-        </a:xfrm>
-      </p:grpSpPr>
-      <p:sp>
-        <p:nvSpPr>
-          <p:cNvPr id="2" name="标题 1"/>
-          <p:cNvSpPr>
-            <a:spLocks noGrp="1"/>
-          </p:cNvSpPr>
-          <p:nvPr>
-            <p:ph type="title"/>
-          </p:nvPr>
-        </p:nvSpPr>
-        <p:spPr/>
-        <p:txBody>
-          <a:bodyPr/>
-          <a:lstStyle/>
-          <a:p>
-            <a:r>
-              <a:rPr lang="zh-CN" altLang="en-US" dirty="0" smtClean="0"/>
-              <a:t>欢迎加入我们的</a:t>
-            </a:r>
-            <a:r>
-              <a:rPr lang="en-US" altLang="zh-CN" dirty="0" smtClean="0"/>
-              <a:t>QQ</a:t>
-            </a:r>
-            <a:r>
-              <a:rPr lang="zh-CN" altLang="en-US" dirty="0" smtClean="0"/>
-              <a:t>群</a:t>
-            </a:r>
-            <a:endParaRPr lang="zh-CN" altLang="en-US" dirty="0"/>
-          </a:p>
-        </p:txBody>
-      </p:sp>
-      <p:sp>
-        <p:nvSpPr>
-          <p:cNvPr id="3" name="内容占位符 2"/>
-          <p:cNvSpPr>
-            <a:spLocks noGrp="1"/>
-          </p:cNvSpPr>
-          <p:nvPr>
-            <p:ph idx="1"/>
-          </p:nvPr>
-        </p:nvSpPr>
-        <p:spPr/>
-        <p:txBody>
-          <a:bodyPr/>
-          <a:lstStyle/>
-          <a:p>
-            <a:endParaRPr lang="en-US" altLang="zh-CN" dirty="0" smtClean="0"/>
-          </a:p>
-          <a:p>
-            <a:r>
-              <a:rPr lang="zh-CN" altLang="en-US" dirty="0" smtClean="0"/>
-              <a:t>程序员在囧途教育</a:t>
-            </a:r>
-            <a:r>
-              <a:rPr lang="en-US" altLang="zh-CN" dirty="0" smtClean="0"/>
-              <a:t>QQ</a:t>
-            </a:r>
-            <a:r>
-              <a:rPr lang="zh-CN" altLang="en-US" dirty="0" smtClean="0"/>
-              <a:t>群</a:t>
-            </a:r>
-            <a:endParaRPr lang="en-US" altLang="zh-CN" dirty="0" smtClean="0"/>
-          </a:p>
-          <a:p>
-            <a:pPr marL="0" indent="0">
-              <a:buNone/>
-            </a:pPr>
-            <a:r>
-              <a:rPr lang="en-US" altLang="zh-CN" smtClean="0"/>
-              <a:t> 606976586</a:t>
-            </a:r>
-            <a:endParaRPr lang="en-US" altLang="zh-CN" dirty="0" smtClean="0"/>
-          </a:p>
-          <a:p>
-            <a:pPr marL="0" indent="0">
-              <a:buNone/>
-            </a:pPr>
-            <a:r>
-              <a:rPr lang="en-US" altLang="zh-CN" smtClean="0"/>
-              <a:t>  </a:t>
-            </a:r>
-            <a:endParaRPr lang="zh-CN" altLang="en-US" dirty="0">
-              <a:solidFill>
-                <a:srgbClr val="FF0000"/>
-              </a:solidFill>
-            </a:endParaRPr>
-          </a:p>
-        </p:txBody>
-      </p:sp>
-    </p:spTree>
-    <p:extLst>
-      <p:ext uri="{BB962C8B-B14F-4D97-AF65-F5344CB8AC3E}">
-        <p14:creationId xmlns:p14="http://schemas.microsoft.com/office/powerpoint/2010/main" val="1053830937"/>
-      </p:ext>
-    </p:extLst>
-  </p:cSld>
-  <p:clrMapOvr>
-    <a:masterClrMapping/>
-  </p:clrMapOvr>
-  <mc:AlternateContent xmlns:mc="http://schemas.openxmlformats.org/markup-compatibility/2006" xmlns:p14="http://schemas.microsoft.com/office/powerpoint/2010/main">
-    <mc:Choice Requires="p14">
-      <p:transition p14:dur="10" advTm="0"/>
-    </mc:Choice>
-    <mc:Fallback xmlns="">
-      <p:transition advTm="0"/>
-    </mc:Fallback>
-  </mc:AlternateContent>
-  <p:timing>
-    <p:tnLst>
-      <p:par>
-        <p:cTn id="1" dur="indefinite" restart="never" nodeType="tmRoot"/>
-      </p:par>
-    </p:tnLst>
-  </p:timing>
-</p:sld>
+<file path=ppt/tags/tag1.xml><?xml version="1.0" encoding="utf-8"?>
+<p:tagLst xmlns:p="http://schemas.openxmlformats.org/presentationml/2006/main">
+  <p:tag name="MH" val="20160523005103"/>
+  <p:tag name="MH_LIBRARY" val="GRAPHIC"/>
+  <p:tag name="MH_TYPE" val="Other"/>
+  <p:tag name="MH_ORDER" val="1"/>
+</p:tagLst>
 </file>
 
-<file path=ppt/tags/tag1.xml><?xml version="1.0" encoding="utf-8"?>
-<p:tagLst xmlns:a="http://schemas.openxmlformats.org/drawingml/2006/main" xmlns:r="http://schemas.openxmlformats.org/officeDocument/2006/relationships" xmlns:p="http://schemas.openxmlformats.org/presentationml/2006/main">
+<file path=ppt/tags/tag10.xml><?xml version="1.0" encoding="utf-8"?>
+<p:tagLst xmlns:p="http://schemas.openxmlformats.org/presentationml/2006/main">
   <p:tag name="MH_TYPE" val="#NeiR#"/>
   <p:tag name="MH_NUMBER" val="3"/>
   <p:tag name="MH_CATEGORY" val="#ShuJTB#"/>
@@ -23126,26 +19485,8 @@
 </p:tagLst>
 </file>
 
-<file path=ppt/tags/tag10.xml><?xml version="1.0" encoding="utf-8"?>
-<p:tagLst xmlns:a="http://schemas.openxmlformats.org/drawingml/2006/main" xmlns:r="http://schemas.openxmlformats.org/officeDocument/2006/relationships" xmlns:p="http://schemas.openxmlformats.org/presentationml/2006/main">
-  <p:tag name="MH" val="20160523005103"/>
-  <p:tag name="MH_LIBRARY" val="GRAPHIC"/>
-  <p:tag name="MH_TYPE" val="SubTitle"/>
-  <p:tag name="MH_ORDER" val="3"/>
-</p:tagLst>
-</file>
-
 <file path=ppt/tags/tag2.xml><?xml version="1.0" encoding="utf-8"?>
-<p:tagLst xmlns:a="http://schemas.openxmlformats.org/drawingml/2006/main" xmlns:r="http://schemas.openxmlformats.org/officeDocument/2006/relationships" xmlns:p="http://schemas.openxmlformats.org/presentationml/2006/main">
-  <p:tag name="MH" val="20160523005103"/>
-  <p:tag name="MH_LIBRARY" val="GRAPHIC"/>
-  <p:tag name="MH_TYPE" val="Other"/>
-  <p:tag name="MH_ORDER" val="1"/>
-</p:tagLst>
-</file>
-
-<file path=ppt/tags/tag3.xml><?xml version="1.0" encoding="utf-8"?>
-<p:tagLst xmlns:a="http://schemas.openxmlformats.org/drawingml/2006/main" xmlns:r="http://schemas.openxmlformats.org/officeDocument/2006/relationships" xmlns:p="http://schemas.openxmlformats.org/presentationml/2006/main">
+<p:tagLst xmlns:p="http://schemas.openxmlformats.org/presentationml/2006/main">
   <p:tag name="MH" val="20160523005103"/>
   <p:tag name="MH_LIBRARY" val="GRAPHIC"/>
   <p:tag name="MH_TYPE" val="Other"/>
@@ -23153,8 +19494,8 @@
 </p:tagLst>
 </file>
 
-<file path=ppt/tags/tag4.xml><?xml version="1.0" encoding="utf-8"?>
-<p:tagLst xmlns:a="http://schemas.openxmlformats.org/drawingml/2006/main" xmlns:r="http://schemas.openxmlformats.org/officeDocument/2006/relationships" xmlns:p="http://schemas.openxmlformats.org/presentationml/2006/main">
+<file path=ppt/tags/tag3.xml><?xml version="1.0" encoding="utf-8"?>
+<p:tagLst xmlns:p="http://schemas.openxmlformats.org/presentationml/2006/main">
   <p:tag name="MH" val="20160523005103"/>
   <p:tag name="MH_LIBRARY" val="GRAPHIC"/>
   <p:tag name="MH_TYPE" val="Other"/>
@@ -23162,8 +19503,8 @@
 </p:tagLst>
 </file>
 
-<file path=ppt/tags/tag5.xml><?xml version="1.0" encoding="utf-8"?>
-<p:tagLst xmlns:a="http://schemas.openxmlformats.org/drawingml/2006/main" xmlns:r="http://schemas.openxmlformats.org/officeDocument/2006/relationships" xmlns:p="http://schemas.openxmlformats.org/presentationml/2006/main">
+<file path=ppt/tags/tag4.xml><?xml version="1.0" encoding="utf-8"?>
+<p:tagLst xmlns:p="http://schemas.openxmlformats.org/presentationml/2006/main">
   <p:tag name="MH" val="20160523005103"/>
   <p:tag name="MH_LIBRARY" val="GRAPHIC"/>
   <p:tag name="MH_TYPE" val="Other"/>
@@ -23171,8 +19512,8 @@
 </p:tagLst>
 </file>
 
-<file path=ppt/tags/tag6.xml><?xml version="1.0" encoding="utf-8"?>
-<p:tagLst xmlns:a="http://schemas.openxmlformats.org/drawingml/2006/main" xmlns:r="http://schemas.openxmlformats.org/officeDocument/2006/relationships" xmlns:p="http://schemas.openxmlformats.org/presentationml/2006/main">
+<file path=ppt/tags/tag5.xml><?xml version="1.0" encoding="utf-8"?>
+<p:tagLst xmlns:p="http://schemas.openxmlformats.org/presentationml/2006/main">
   <p:tag name="MH" val="20160523005103"/>
   <p:tag name="MH_LIBRARY" val="GRAPHIC"/>
   <p:tag name="MH_TYPE" val="SubTitle"/>
@@ -23180,8 +19521,8 @@
 </p:tagLst>
 </file>
 
-<file path=ppt/tags/tag7.xml><?xml version="1.0" encoding="utf-8"?>
-<p:tagLst xmlns:a="http://schemas.openxmlformats.org/drawingml/2006/main" xmlns:r="http://schemas.openxmlformats.org/officeDocument/2006/relationships" xmlns:p="http://schemas.openxmlformats.org/presentationml/2006/main">
+<file path=ppt/tags/tag6.xml><?xml version="1.0" encoding="utf-8"?>
+<p:tagLst xmlns:p="http://schemas.openxmlformats.org/presentationml/2006/main">
   <p:tag name="MH" val="20160523005103"/>
   <p:tag name="MH_LIBRARY" val="GRAPHIC"/>
   <p:tag name="MH_TYPE" val="Other"/>
@@ -23189,8 +19530,8 @@
 </p:tagLst>
 </file>
 
-<file path=ppt/tags/tag8.xml><?xml version="1.0" encoding="utf-8"?>
-<p:tagLst xmlns:a="http://schemas.openxmlformats.org/drawingml/2006/main" xmlns:r="http://schemas.openxmlformats.org/officeDocument/2006/relationships" xmlns:p="http://schemas.openxmlformats.org/presentationml/2006/main">
+<file path=ppt/tags/tag7.xml><?xml version="1.0" encoding="utf-8"?>
+<p:tagLst xmlns:p="http://schemas.openxmlformats.org/presentationml/2006/main">
   <p:tag name="MH" val="20160523005103"/>
   <p:tag name="MH_LIBRARY" val="GRAPHIC"/>
   <p:tag name="MH_TYPE" val="SubTitle"/>
@@ -23198,12 +19539,21 @@
 </p:tagLst>
 </file>
 
-<file path=ppt/tags/tag9.xml><?xml version="1.0" encoding="utf-8"?>
-<p:tagLst xmlns:a="http://schemas.openxmlformats.org/drawingml/2006/main" xmlns:r="http://schemas.openxmlformats.org/officeDocument/2006/relationships" xmlns:p="http://schemas.openxmlformats.org/presentationml/2006/main">
+<file path=ppt/tags/tag8.xml><?xml version="1.0" encoding="utf-8"?>
+<p:tagLst xmlns:p="http://schemas.openxmlformats.org/presentationml/2006/main">
   <p:tag name="MH" val="20160523005103"/>
   <p:tag name="MH_LIBRARY" val="GRAPHIC"/>
   <p:tag name="MH_TYPE" val="Other"/>
   <p:tag name="MH_ORDER" val="6"/>
+</p:tagLst>
+</file>
+
+<file path=ppt/tags/tag9.xml><?xml version="1.0" encoding="utf-8"?>
+<p:tagLst xmlns:p="http://schemas.openxmlformats.org/presentationml/2006/main">
+  <p:tag name="MH" val="20160523005103"/>
+  <p:tag name="MH_LIBRARY" val="GRAPHIC"/>
+  <p:tag name="MH_TYPE" val="SubTitle"/>
+  <p:tag name="MH_ORDER" val="3"/>
 </p:tagLst>
 </file>
 
@@ -23458,333 +19808,15 @@
       </a:bgFillStyleLst>
     </a:fmtScheme>
   </a:themeElements>
-  <a:objectDefaults/>
-  <a:extraClrSchemeLst/>
   <a:extLst>
     <a:ext uri="{05A4C25C-085E-4340-85A3-A5531E510DB2}">
-      <thm15:themeFamily xmlns:thm15="http://schemas.microsoft.com/office/thememl/2012/main" xmlns="" name="Office Theme" id="{62F939B6-93AF-4DB8-9C6B-D6C7DFDC589F}" vid="{4A3C46E8-61CC-4603-A589-7422A47A8E4A}"/>
+      <thm15:themeFamily xmlns:thm15="http://schemas.microsoft.com/office/thememl/2012/main" name="Office Theme" id="{62F939B6-93AF-4DB8-9C6B-D6C7DFDC589F}" vid="{4A3C46E8-61CC-4603-A589-7422A47A8E4A}"/>
     </a:ext>
   </a:extLst>
 </a:theme>
 </file>
 
 <file path=ppt/theme/theme2.xml><?xml version="1.0" encoding="utf-8"?>
-<a:theme xmlns:a="http://schemas.openxmlformats.org/drawingml/2006/main" name="3_Office 主题​​">
-  <a:themeElements>
-    <a:clrScheme name="Office">
-      <a:dk1>
-        <a:sysClr val="windowText" lastClr="000000"/>
-      </a:dk1>
-      <a:lt1>
-        <a:sysClr val="window" lastClr="FFFFFF"/>
-      </a:lt1>
-      <a:dk2>
-        <a:srgbClr val="1F497D"/>
-      </a:dk2>
-      <a:lt2>
-        <a:srgbClr val="EEECE1"/>
-      </a:lt2>
-      <a:accent1>
-        <a:srgbClr val="4F81BD"/>
-      </a:accent1>
-      <a:accent2>
-        <a:srgbClr val="C0504D"/>
-      </a:accent2>
-      <a:accent3>
-        <a:srgbClr val="9BBB59"/>
-      </a:accent3>
-      <a:accent4>
-        <a:srgbClr val="8064A2"/>
-      </a:accent4>
-      <a:accent5>
-        <a:srgbClr val="4BACC6"/>
-      </a:accent5>
-      <a:accent6>
-        <a:srgbClr val="F79646"/>
-      </a:accent6>
-      <a:hlink>
-        <a:srgbClr val="0000FF"/>
-      </a:hlink>
-      <a:folHlink>
-        <a:srgbClr val="800080"/>
-      </a:folHlink>
-    </a:clrScheme>
-    <a:fontScheme name="Office">
-      <a:majorFont>
-        <a:latin typeface="Calibri"/>
-        <a:ea typeface=""/>
-        <a:cs typeface=""/>
-        <a:font script="Jpan" typeface="ＭＳ Ｐゴシック"/>
-        <a:font script="Hang" typeface="맑은 고딕"/>
-        <a:font script="Hans" typeface="宋体"/>
-        <a:font script="Hant" typeface="新細明體"/>
-        <a:font script="Arab" typeface="Times New Roman"/>
-        <a:font script="Hebr" typeface="Times New Roman"/>
-        <a:font script="Thai" typeface="Angsana New"/>
-        <a:font script="Ethi" typeface="Nyala"/>
-        <a:font script="Beng" typeface="Vrinda"/>
-        <a:font script="Gujr" typeface="Shruti"/>
-        <a:font script="Khmr" typeface="MoolBoran"/>
-        <a:font script="Knda" typeface="Tunga"/>
-        <a:font script="Guru" typeface="Raavi"/>
-        <a:font script="Cans" typeface="Euphemia"/>
-        <a:font script="Cher" typeface="Plantagenet Cherokee"/>
-        <a:font script="Yiii" typeface="Microsoft Yi Baiti"/>
-        <a:font script="Tibt" typeface="Microsoft Himalaya"/>
-        <a:font script="Thaa" typeface="MV Boli"/>
-        <a:font script="Deva" typeface="Mangal"/>
-        <a:font script="Telu" typeface="Gautami"/>
-        <a:font script="Taml" typeface="Latha"/>
-        <a:font script="Syrc" typeface="Estrangelo Edessa"/>
-        <a:font script="Orya" typeface="Kalinga"/>
-        <a:font script="Mlym" typeface="Kartika"/>
-        <a:font script="Laoo" typeface="DokChampa"/>
-        <a:font script="Sinh" typeface="Iskoola Pota"/>
-        <a:font script="Mong" typeface="Mongolian Baiti"/>
-        <a:font script="Viet" typeface="Times New Roman"/>
-        <a:font script="Uigh" typeface="Microsoft Uighur"/>
-        <a:font script="Geor" typeface="Sylfaen"/>
-      </a:majorFont>
-      <a:minorFont>
-        <a:latin typeface="Calibri"/>
-        <a:ea typeface=""/>
-        <a:cs typeface=""/>
-        <a:font script="Jpan" typeface="ＭＳ Ｐゴシック"/>
-        <a:font script="Hang" typeface="맑은 고딕"/>
-        <a:font script="Hans" typeface="宋体"/>
-        <a:font script="Hant" typeface="新細明體"/>
-        <a:font script="Arab" typeface="Arial"/>
-        <a:font script="Hebr" typeface="Arial"/>
-        <a:font script="Thai" typeface="Cordia New"/>
-        <a:font script="Ethi" typeface="Nyala"/>
-        <a:font script="Beng" typeface="Vrinda"/>
-        <a:font script="Gujr" typeface="Shruti"/>
-        <a:font script="Khmr" typeface="DaunPenh"/>
-        <a:font script="Knda" typeface="Tunga"/>
-        <a:font script="Guru" typeface="Raavi"/>
-        <a:font script="Cans" typeface="Euphemia"/>
-        <a:font script="Cher" typeface="Plantagenet Cherokee"/>
-        <a:font script="Yiii" typeface="Microsoft Yi Baiti"/>
-        <a:font script="Tibt" typeface="Microsoft Himalaya"/>
-        <a:font script="Thaa" typeface="MV Boli"/>
-        <a:font script="Deva" typeface="Mangal"/>
-        <a:font script="Telu" typeface="Gautami"/>
-        <a:font script="Taml" typeface="Latha"/>
-        <a:font script="Syrc" typeface="Estrangelo Edessa"/>
-        <a:font script="Orya" typeface="Kalinga"/>
-        <a:font script="Mlym" typeface="Kartika"/>
-        <a:font script="Laoo" typeface="DokChampa"/>
-        <a:font script="Sinh" typeface="Iskoola Pota"/>
-        <a:font script="Mong" typeface="Mongolian Baiti"/>
-        <a:font script="Viet" typeface="Arial"/>
-        <a:font script="Uigh" typeface="Microsoft Uighur"/>
-        <a:font script="Geor" typeface="Sylfaen"/>
-      </a:minorFont>
-    </a:fontScheme>
-    <a:fmtScheme name="Office">
-      <a:fillStyleLst>
-        <a:solidFill>
-          <a:schemeClr val="phClr"/>
-        </a:solidFill>
-        <a:gradFill rotWithShape="1">
-          <a:gsLst>
-            <a:gs pos="0">
-              <a:schemeClr val="phClr">
-                <a:tint val="50000"/>
-                <a:satMod val="300000"/>
-              </a:schemeClr>
-            </a:gs>
-            <a:gs pos="35000">
-              <a:schemeClr val="phClr">
-                <a:tint val="37000"/>
-                <a:satMod val="300000"/>
-              </a:schemeClr>
-            </a:gs>
-            <a:gs pos="100000">
-              <a:schemeClr val="phClr">
-                <a:tint val="15000"/>
-                <a:satMod val="350000"/>
-              </a:schemeClr>
-            </a:gs>
-          </a:gsLst>
-          <a:lin ang="16200000" scaled="1"/>
-        </a:gradFill>
-        <a:gradFill rotWithShape="1">
-          <a:gsLst>
-            <a:gs pos="0">
-              <a:schemeClr val="phClr">
-                <a:shade val="51000"/>
-                <a:satMod val="130000"/>
-              </a:schemeClr>
-            </a:gs>
-            <a:gs pos="80000">
-              <a:schemeClr val="phClr">
-                <a:shade val="93000"/>
-                <a:satMod val="130000"/>
-              </a:schemeClr>
-            </a:gs>
-            <a:gs pos="100000">
-              <a:schemeClr val="phClr">
-                <a:shade val="94000"/>
-                <a:satMod val="135000"/>
-              </a:schemeClr>
-            </a:gs>
-          </a:gsLst>
-          <a:lin ang="16200000" scaled="0"/>
-        </a:gradFill>
-      </a:fillStyleLst>
-      <a:lnStyleLst>
-        <a:ln w="9525" cap="flat" cmpd="sng" algn="ctr">
-          <a:solidFill>
-            <a:schemeClr val="phClr">
-              <a:shade val="95000"/>
-              <a:satMod val="105000"/>
-            </a:schemeClr>
-          </a:solidFill>
-          <a:prstDash val="solid"/>
-        </a:ln>
-        <a:ln w="25400" cap="flat" cmpd="sng" algn="ctr">
-          <a:solidFill>
-            <a:schemeClr val="phClr"/>
-          </a:solidFill>
-          <a:prstDash val="solid"/>
-        </a:ln>
-        <a:ln w="38100" cap="flat" cmpd="sng" algn="ctr">
-          <a:solidFill>
-            <a:schemeClr val="phClr"/>
-          </a:solidFill>
-          <a:prstDash val="solid"/>
-        </a:ln>
-      </a:lnStyleLst>
-      <a:effectStyleLst>
-        <a:effectStyle>
-          <a:effectLst>
-            <a:outerShdw blurRad="40000" dist="20000" dir="5400000" rotWithShape="0">
-              <a:srgbClr val="000000">
-                <a:alpha val="38000"/>
-              </a:srgbClr>
-            </a:outerShdw>
-          </a:effectLst>
-        </a:effectStyle>
-        <a:effectStyle>
-          <a:effectLst>
-            <a:outerShdw blurRad="40000" dist="23000" dir="5400000" rotWithShape="0">
-              <a:srgbClr val="000000">
-                <a:alpha val="35000"/>
-              </a:srgbClr>
-            </a:outerShdw>
-          </a:effectLst>
-        </a:effectStyle>
-        <a:effectStyle>
-          <a:effectLst>
-            <a:outerShdw blurRad="40000" dist="23000" dir="5400000" rotWithShape="0">
-              <a:srgbClr val="000000">
-                <a:alpha val="35000"/>
-              </a:srgbClr>
-            </a:outerShdw>
-          </a:effectLst>
-          <a:scene3d>
-            <a:camera prst="orthographicFront">
-              <a:rot lat="0" lon="0" rev="0"/>
-            </a:camera>
-            <a:lightRig rig="threePt" dir="t">
-              <a:rot lat="0" lon="0" rev="1200000"/>
-            </a:lightRig>
-          </a:scene3d>
-          <a:sp3d>
-            <a:bevelT w="63500" h="25400"/>
-          </a:sp3d>
-        </a:effectStyle>
-      </a:effectStyleLst>
-      <a:bgFillStyleLst>
-        <a:solidFill>
-          <a:schemeClr val="phClr"/>
-        </a:solidFill>
-        <a:gradFill rotWithShape="1">
-          <a:gsLst>
-            <a:gs pos="0">
-              <a:schemeClr val="phClr">
-                <a:tint val="40000"/>
-                <a:satMod val="350000"/>
-              </a:schemeClr>
-            </a:gs>
-            <a:gs pos="40000">
-              <a:schemeClr val="phClr">
-                <a:tint val="45000"/>
-                <a:shade val="99000"/>
-                <a:satMod val="350000"/>
-              </a:schemeClr>
-            </a:gs>
-            <a:gs pos="100000">
-              <a:schemeClr val="phClr">
-                <a:shade val="20000"/>
-                <a:satMod val="255000"/>
-              </a:schemeClr>
-            </a:gs>
-          </a:gsLst>
-          <a:path path="circle">
-            <a:fillToRect l="50000" t="-80000" r="50000" b="180000"/>
-          </a:path>
-        </a:gradFill>
-        <a:gradFill rotWithShape="1">
-          <a:gsLst>
-            <a:gs pos="0">
-              <a:schemeClr val="phClr">
-                <a:tint val="80000"/>
-                <a:satMod val="300000"/>
-              </a:schemeClr>
-            </a:gs>
-            <a:gs pos="100000">
-              <a:schemeClr val="phClr">
-                <a:shade val="30000"/>
-                <a:satMod val="200000"/>
-              </a:schemeClr>
-            </a:gs>
-          </a:gsLst>
-          <a:path path="circle">
-            <a:fillToRect l="50000" t="50000" r="50000" b="50000"/>
-          </a:path>
-        </a:gradFill>
-      </a:bgFillStyleLst>
-    </a:fmtScheme>
-  </a:themeElements>
-  <a:objectDefaults>
-    <a:spDef>
-      <a:spPr/>
-      <a:bodyPr rtlCol="0" anchor="ctr"/>
-      <a:lstStyle>
-        <a:defPPr algn="ctr">
-          <a:defRPr/>
-        </a:defPPr>
-      </a:lstStyle>
-      <a:style>
-        <a:lnRef idx="2">
-          <a:schemeClr val="accent1">
-            <a:shade val="50000"/>
-          </a:schemeClr>
-        </a:lnRef>
-        <a:fillRef idx="1">
-          <a:schemeClr val="accent1"/>
-        </a:fillRef>
-        <a:effectRef idx="0">
-          <a:schemeClr val="accent1"/>
-        </a:effectRef>
-        <a:fontRef idx="minor">
-          <a:schemeClr val="lt1"/>
-        </a:fontRef>
-      </a:style>
-    </a:spDef>
-  </a:objectDefaults>
-  <a:extraClrSchemeLst/>
-  <a:extLst>
-    <a:ext uri="{05A4C25C-085E-4340-85A3-A5531E510DB2}">
-      <thm15:themeFamily xmlns:thm15="http://schemas.microsoft.com/office/thememl/2012/main" xmlns="" name="Office Theme" id="{62F939B6-93AF-4DB8-9C6B-D6C7DFDC589F}" vid="{4A3C46E8-61CC-4603-A589-7422A47A8E4A}"/>
-    </a:ext>
-  </a:extLst>
-</a:theme>
-</file>
-
-<file path=ppt/theme/theme3.xml><?xml version="1.0" encoding="utf-8"?>
 <a:theme xmlns:a="http://schemas.openxmlformats.org/drawingml/2006/main" name="Office 主题">
   <a:themeElements>
     <a:clrScheme name="Office">
@@ -24035,11 +20067,9 @@
       </a:bgFillStyleLst>
     </a:fmtScheme>
   </a:themeElements>
-  <a:objectDefaults/>
-  <a:extraClrSchemeLst/>
   <a:extLst>
     <a:ext uri="{05A4C25C-085E-4340-85A3-A5531E510DB2}">
-      <thm15:themeFamily xmlns:thm15="http://schemas.microsoft.com/office/thememl/2012/main" xmlns="" name="Office Theme" id="{62F939B6-93AF-4DB8-9C6B-D6C7DFDC589F}" vid="{4A3C46E8-61CC-4603-A589-7422A47A8E4A}"/>
+      <thm15:themeFamily xmlns:thm15="http://schemas.microsoft.com/office/thememl/2012/main" name="Office Theme" id="{62F939B6-93AF-4DB8-9C6B-D6C7DFDC589F}" vid="{4A3C46E8-61CC-4603-A589-7422A47A8E4A}"/>
     </a:ext>
   </a:extLst>
 </a:theme>
